--- a/Weekly/汇报/O2E-TU-2_汇报_0412.pptx
+++ b/Weekly/汇报/O2E-TU-2_汇报_0412.pptx
@@ -5,24 +5,24 @@
     <p:sldMasterId id="2147483648" r:id="rId1"/>
   </p:sldMasterIdLst>
   <p:sldIdLst>
-    <p:sldId id="256" r:id="rId3"/>
-    <p:sldId id="258" r:id="rId4"/>
-    <p:sldId id="259" r:id="rId5"/>
-    <p:sldId id="341" r:id="rId6"/>
-    <p:sldId id="355" r:id="rId7"/>
-    <p:sldId id="340" r:id="rId8"/>
-    <p:sldId id="332" r:id="rId9"/>
-    <p:sldId id="342" r:id="rId10"/>
-    <p:sldId id="343" r:id="rId11"/>
-    <p:sldId id="344" r:id="rId12"/>
-    <p:sldId id="354" r:id="rId13"/>
-    <p:sldId id="367" r:id="rId14"/>
-    <p:sldId id="368" r:id="rId15"/>
-    <p:sldId id="274" r:id="rId16"/>
-    <p:sldId id="322" r:id="rId17"/>
-    <p:sldId id="331" r:id="rId18"/>
-    <p:sldId id="323" r:id="rId19"/>
-    <p:sldId id="324" r:id="rId20"/>
+    <p:sldId id="256" r:id="rId2"/>
+    <p:sldId id="258" r:id="rId3"/>
+    <p:sldId id="259" r:id="rId4"/>
+    <p:sldId id="341" r:id="rId5"/>
+    <p:sldId id="355" r:id="rId6"/>
+    <p:sldId id="340" r:id="rId7"/>
+    <p:sldId id="332" r:id="rId8"/>
+    <p:sldId id="342" r:id="rId9"/>
+    <p:sldId id="343" r:id="rId10"/>
+    <p:sldId id="344" r:id="rId11"/>
+    <p:sldId id="354" r:id="rId12"/>
+    <p:sldId id="367" r:id="rId13"/>
+    <p:sldId id="368" r:id="rId14"/>
+    <p:sldId id="274" r:id="rId15"/>
+    <p:sldId id="322" r:id="rId16"/>
+    <p:sldId id="331" r:id="rId17"/>
+    <p:sldId id="323" r:id="rId18"/>
+    <p:sldId id="324" r:id="rId19"/>
   </p:sldIdLst>
   <p:sldSz cx="12192000" cy="6858000"/>
   <p:notesSz cx="6858000" cy="9144000"/>
@@ -121,6 +121,11 @@
       </a:defRPr>
     </a:lvl9pPr>
   </p:defaultTextStyle>
+  <p:extLst>
+    <p:ext uri="{EFAFB233-063F-42B5-8137-9DF3F51BA10A}">
+      <p15:sldGuideLst xmlns:p15="http://schemas.microsoft.com/office/powerpoint/2012/main"/>
+    </p:ext>
+  </p:extLst>
 </p:presentation>
 </file>
 
@@ -169,7 +174,6 @@
               <a:rPr lang="zh-CN" altLang="en-US"/>
               <a:t>单击此处编辑母版标题样式</a:t>
             </a:r>
-            <a:endParaRPr lang="zh-CN" altLang="en-US"/>
           </a:p>
         </p:txBody>
       </p:sp>
@@ -234,7 +238,6 @@
               <a:rPr lang="zh-CN" altLang="en-US"/>
               <a:t>单击此处编辑母版副标题样式</a:t>
             </a:r>
-            <a:endParaRPr lang="zh-CN" altLang="en-US"/>
           </a:p>
         </p:txBody>
       </p:sp>
@@ -255,6 +258,7 @@
           <a:p>
             <a:fld id="{D997B5FA-0921-464F-AAE1-844C04324D75}" type="datetimeFigureOut">
               <a:rPr lang="zh-CN" altLang="en-US" smtClean="0"/>
+              <a:t>2022/6/7</a:t>
             </a:fld>
             <a:endParaRPr lang="zh-CN" altLang="en-US"/>
           </a:p>
@@ -296,6 +300,7 @@
           <a:p>
             <a:fld id="{565CE74E-AB26-4998-AD42-012C4C1AD076}" type="slidenum">
               <a:rPr lang="zh-CN" altLang="en-US" smtClean="0"/>
+              <a:t>‹#›</a:t>
             </a:fld>
             <a:endParaRPr lang="zh-CN" altLang="en-US"/>
           </a:p>
@@ -345,7 +350,6 @@
               <a:rPr lang="zh-CN" altLang="en-US"/>
               <a:t>单击此处编辑母版标题样式</a:t>
             </a:r>
-            <a:endParaRPr lang="zh-CN" altLang="en-US"/>
           </a:p>
         </p:txBody>
       </p:sp>
@@ -369,7 +373,6 @@
               <a:rPr lang="zh-CN" altLang="en-US"/>
               <a:t>单击此处编辑母版文本样式</a:t>
             </a:r>
-            <a:endParaRPr lang="zh-CN" altLang="en-US"/>
           </a:p>
           <a:p>
             <a:pPr lvl="1"/>
@@ -377,7 +380,6 @@
               <a:rPr lang="zh-CN" altLang="en-US"/>
               <a:t>第二级</a:t>
             </a:r>
-            <a:endParaRPr lang="zh-CN" altLang="en-US"/>
           </a:p>
           <a:p>
             <a:pPr lvl="2"/>
@@ -385,7 +387,6 @@
               <a:rPr lang="zh-CN" altLang="en-US"/>
               <a:t>第三级</a:t>
             </a:r>
-            <a:endParaRPr lang="zh-CN" altLang="en-US"/>
           </a:p>
           <a:p>
             <a:pPr lvl="3"/>
@@ -393,7 +394,6 @@
               <a:rPr lang="zh-CN" altLang="en-US"/>
               <a:t>第四级</a:t>
             </a:r>
-            <a:endParaRPr lang="zh-CN" altLang="en-US"/>
           </a:p>
           <a:p>
             <a:pPr lvl="4"/>
@@ -401,7 +401,6 @@
               <a:rPr lang="zh-CN" altLang="en-US"/>
               <a:t>第五级</a:t>
             </a:r>
-            <a:endParaRPr lang="zh-CN" altLang="en-US"/>
           </a:p>
         </p:txBody>
       </p:sp>
@@ -422,6 +421,7 @@
           <a:p>
             <a:fld id="{D997B5FA-0921-464F-AAE1-844C04324D75}" type="datetimeFigureOut">
               <a:rPr lang="zh-CN" altLang="en-US" smtClean="0"/>
+              <a:t>2022/6/7</a:t>
             </a:fld>
             <a:endParaRPr lang="zh-CN" altLang="en-US"/>
           </a:p>
@@ -463,6 +463,7 @@
           <a:p>
             <a:fld id="{565CE74E-AB26-4998-AD42-012C4C1AD076}" type="slidenum">
               <a:rPr lang="zh-CN" altLang="en-US" smtClean="0"/>
+              <a:t>‹#›</a:t>
             </a:fld>
             <a:endParaRPr lang="zh-CN" altLang="en-US"/>
           </a:p>
@@ -517,7 +518,6 @@
               <a:rPr lang="zh-CN" altLang="en-US"/>
               <a:t>单击此处编辑母版标题样式</a:t>
             </a:r>
-            <a:endParaRPr lang="zh-CN" altLang="en-US"/>
           </a:p>
         </p:txBody>
       </p:sp>
@@ -546,7 +546,6 @@
               <a:rPr lang="zh-CN" altLang="en-US"/>
               <a:t>单击此处编辑母版文本样式</a:t>
             </a:r>
-            <a:endParaRPr lang="zh-CN" altLang="en-US"/>
           </a:p>
           <a:p>
             <a:pPr lvl="1"/>
@@ -554,7 +553,6 @@
               <a:rPr lang="zh-CN" altLang="en-US"/>
               <a:t>第二级</a:t>
             </a:r>
-            <a:endParaRPr lang="zh-CN" altLang="en-US"/>
           </a:p>
           <a:p>
             <a:pPr lvl="2"/>
@@ -562,7 +560,6 @@
               <a:rPr lang="zh-CN" altLang="en-US"/>
               <a:t>第三级</a:t>
             </a:r>
-            <a:endParaRPr lang="zh-CN" altLang="en-US"/>
           </a:p>
           <a:p>
             <a:pPr lvl="3"/>
@@ -570,7 +567,6 @@
               <a:rPr lang="zh-CN" altLang="en-US"/>
               <a:t>第四级</a:t>
             </a:r>
-            <a:endParaRPr lang="zh-CN" altLang="en-US"/>
           </a:p>
           <a:p>
             <a:pPr lvl="4"/>
@@ -578,7 +574,6 @@
               <a:rPr lang="zh-CN" altLang="en-US"/>
               <a:t>第五级</a:t>
             </a:r>
-            <a:endParaRPr lang="zh-CN" altLang="en-US"/>
           </a:p>
         </p:txBody>
       </p:sp>
@@ -599,6 +594,7 @@
           <a:p>
             <a:fld id="{D997B5FA-0921-464F-AAE1-844C04324D75}" type="datetimeFigureOut">
               <a:rPr lang="zh-CN" altLang="en-US" smtClean="0"/>
+              <a:t>2022/6/7</a:t>
             </a:fld>
             <a:endParaRPr lang="zh-CN" altLang="en-US"/>
           </a:p>
@@ -640,6 +636,7 @@
           <a:p>
             <a:fld id="{565CE74E-AB26-4998-AD42-012C4C1AD076}" type="slidenum">
               <a:rPr lang="zh-CN" altLang="en-US" smtClean="0"/>
+              <a:t>‹#›</a:t>
             </a:fld>
             <a:endParaRPr lang="zh-CN" altLang="en-US"/>
           </a:p>
@@ -689,7 +686,6 @@
               <a:rPr lang="zh-CN" altLang="en-US"/>
               <a:t>单击此处编辑母版标题样式</a:t>
             </a:r>
-            <a:endParaRPr lang="zh-CN" altLang="en-US"/>
           </a:p>
         </p:txBody>
       </p:sp>
@@ -713,7 +709,6 @@
               <a:rPr lang="zh-CN" altLang="en-US"/>
               <a:t>单击此处编辑母版文本样式</a:t>
             </a:r>
-            <a:endParaRPr lang="zh-CN" altLang="en-US"/>
           </a:p>
           <a:p>
             <a:pPr lvl="1"/>
@@ -721,7 +716,6 @@
               <a:rPr lang="zh-CN" altLang="en-US"/>
               <a:t>第二级</a:t>
             </a:r>
-            <a:endParaRPr lang="zh-CN" altLang="en-US"/>
           </a:p>
           <a:p>
             <a:pPr lvl="2"/>
@@ -729,7 +723,6 @@
               <a:rPr lang="zh-CN" altLang="en-US"/>
               <a:t>第三级</a:t>
             </a:r>
-            <a:endParaRPr lang="zh-CN" altLang="en-US"/>
           </a:p>
           <a:p>
             <a:pPr lvl="3"/>
@@ -737,7 +730,6 @@
               <a:rPr lang="zh-CN" altLang="en-US"/>
               <a:t>第四级</a:t>
             </a:r>
-            <a:endParaRPr lang="zh-CN" altLang="en-US"/>
           </a:p>
           <a:p>
             <a:pPr lvl="4"/>
@@ -745,7 +737,6 @@
               <a:rPr lang="zh-CN" altLang="en-US"/>
               <a:t>第五级</a:t>
             </a:r>
-            <a:endParaRPr lang="zh-CN" altLang="en-US"/>
           </a:p>
         </p:txBody>
       </p:sp>
@@ -766,6 +757,7 @@
           <a:p>
             <a:fld id="{D997B5FA-0921-464F-AAE1-844C04324D75}" type="datetimeFigureOut">
               <a:rPr lang="zh-CN" altLang="en-US" smtClean="0"/>
+              <a:t>2022/6/7</a:t>
             </a:fld>
             <a:endParaRPr lang="zh-CN" altLang="en-US"/>
           </a:p>
@@ -807,6 +799,7 @@
           <a:p>
             <a:fld id="{565CE74E-AB26-4998-AD42-012C4C1AD076}" type="slidenum">
               <a:rPr lang="zh-CN" altLang="en-US" smtClean="0"/>
+              <a:t>‹#›</a:t>
             </a:fld>
             <a:endParaRPr lang="zh-CN" altLang="en-US"/>
           </a:p>
@@ -865,7 +858,6 @@
               <a:rPr lang="zh-CN" altLang="en-US"/>
               <a:t>单击此处编辑母版标题样式</a:t>
             </a:r>
-            <a:endParaRPr lang="zh-CN" altLang="en-US"/>
           </a:p>
         </p:txBody>
       </p:sp>
@@ -985,7 +977,6 @@
               <a:rPr lang="zh-CN" altLang="en-US"/>
               <a:t>单击此处编辑母版文本样式</a:t>
             </a:r>
-            <a:endParaRPr lang="zh-CN" altLang="en-US"/>
           </a:p>
         </p:txBody>
       </p:sp>
@@ -1006,6 +997,7 @@
           <a:p>
             <a:fld id="{D997B5FA-0921-464F-AAE1-844C04324D75}" type="datetimeFigureOut">
               <a:rPr lang="zh-CN" altLang="en-US" smtClean="0"/>
+              <a:t>2022/6/7</a:t>
             </a:fld>
             <a:endParaRPr lang="zh-CN" altLang="en-US"/>
           </a:p>
@@ -1047,6 +1039,7 @@
           <a:p>
             <a:fld id="{565CE74E-AB26-4998-AD42-012C4C1AD076}" type="slidenum">
               <a:rPr lang="zh-CN" altLang="en-US" smtClean="0"/>
+              <a:t>‹#›</a:t>
             </a:fld>
             <a:endParaRPr lang="zh-CN" altLang="en-US"/>
           </a:p>
@@ -1096,7 +1089,6 @@
               <a:rPr lang="zh-CN" altLang="en-US"/>
               <a:t>单击此处编辑母版标题样式</a:t>
             </a:r>
-            <a:endParaRPr lang="zh-CN" altLang="en-US"/>
           </a:p>
         </p:txBody>
       </p:sp>
@@ -1125,7 +1117,6 @@
               <a:rPr lang="zh-CN" altLang="en-US"/>
               <a:t>单击此处编辑母版文本样式</a:t>
             </a:r>
-            <a:endParaRPr lang="zh-CN" altLang="en-US"/>
           </a:p>
           <a:p>
             <a:pPr lvl="1"/>
@@ -1133,7 +1124,6 @@
               <a:rPr lang="zh-CN" altLang="en-US"/>
               <a:t>第二级</a:t>
             </a:r>
-            <a:endParaRPr lang="zh-CN" altLang="en-US"/>
           </a:p>
           <a:p>
             <a:pPr lvl="2"/>
@@ -1141,7 +1131,6 @@
               <a:rPr lang="zh-CN" altLang="en-US"/>
               <a:t>第三级</a:t>
             </a:r>
-            <a:endParaRPr lang="zh-CN" altLang="en-US"/>
           </a:p>
           <a:p>
             <a:pPr lvl="3"/>
@@ -1149,7 +1138,6 @@
               <a:rPr lang="zh-CN" altLang="en-US"/>
               <a:t>第四级</a:t>
             </a:r>
-            <a:endParaRPr lang="zh-CN" altLang="en-US"/>
           </a:p>
           <a:p>
             <a:pPr lvl="4"/>
@@ -1157,7 +1145,6 @@
               <a:rPr lang="zh-CN" altLang="en-US"/>
               <a:t>第五级</a:t>
             </a:r>
-            <a:endParaRPr lang="zh-CN" altLang="en-US"/>
           </a:p>
         </p:txBody>
       </p:sp>
@@ -1186,7 +1173,6 @@
               <a:rPr lang="zh-CN" altLang="en-US"/>
               <a:t>单击此处编辑母版文本样式</a:t>
             </a:r>
-            <a:endParaRPr lang="zh-CN" altLang="en-US"/>
           </a:p>
           <a:p>
             <a:pPr lvl="1"/>
@@ -1194,7 +1180,6 @@
               <a:rPr lang="zh-CN" altLang="en-US"/>
               <a:t>第二级</a:t>
             </a:r>
-            <a:endParaRPr lang="zh-CN" altLang="en-US"/>
           </a:p>
           <a:p>
             <a:pPr lvl="2"/>
@@ -1202,7 +1187,6 @@
               <a:rPr lang="zh-CN" altLang="en-US"/>
               <a:t>第三级</a:t>
             </a:r>
-            <a:endParaRPr lang="zh-CN" altLang="en-US"/>
           </a:p>
           <a:p>
             <a:pPr lvl="3"/>
@@ -1210,7 +1194,6 @@
               <a:rPr lang="zh-CN" altLang="en-US"/>
               <a:t>第四级</a:t>
             </a:r>
-            <a:endParaRPr lang="zh-CN" altLang="en-US"/>
           </a:p>
           <a:p>
             <a:pPr lvl="4"/>
@@ -1218,7 +1201,6 @@
               <a:rPr lang="zh-CN" altLang="en-US"/>
               <a:t>第五级</a:t>
             </a:r>
-            <a:endParaRPr lang="zh-CN" altLang="en-US"/>
           </a:p>
         </p:txBody>
       </p:sp>
@@ -1239,6 +1221,7 @@
           <a:p>
             <a:fld id="{D997B5FA-0921-464F-AAE1-844C04324D75}" type="datetimeFigureOut">
               <a:rPr lang="zh-CN" altLang="en-US" smtClean="0"/>
+              <a:t>2022/6/7</a:t>
             </a:fld>
             <a:endParaRPr lang="zh-CN" altLang="en-US"/>
           </a:p>
@@ -1280,6 +1263,7 @@
           <a:p>
             <a:fld id="{565CE74E-AB26-4998-AD42-012C4C1AD076}" type="slidenum">
               <a:rPr lang="zh-CN" altLang="en-US" smtClean="0"/>
+              <a:t>‹#›</a:t>
             </a:fld>
             <a:endParaRPr lang="zh-CN" altLang="en-US"/>
           </a:p>
@@ -1334,7 +1318,6 @@
               <a:rPr lang="zh-CN" altLang="en-US"/>
               <a:t>单击此处编辑母版标题样式</a:t>
             </a:r>
-            <a:endParaRPr lang="zh-CN" altLang="en-US"/>
           </a:p>
         </p:txBody>
       </p:sp>
@@ -1400,7 +1383,6 @@
               <a:rPr lang="zh-CN" altLang="en-US"/>
               <a:t>单击此处编辑母版文本样式</a:t>
             </a:r>
-            <a:endParaRPr lang="zh-CN" altLang="en-US"/>
           </a:p>
         </p:txBody>
       </p:sp>
@@ -1429,7 +1411,6 @@
               <a:rPr lang="zh-CN" altLang="en-US"/>
               <a:t>单击此处编辑母版文本样式</a:t>
             </a:r>
-            <a:endParaRPr lang="zh-CN" altLang="en-US"/>
           </a:p>
           <a:p>
             <a:pPr lvl="1"/>
@@ -1437,7 +1418,6 @@
               <a:rPr lang="zh-CN" altLang="en-US"/>
               <a:t>第二级</a:t>
             </a:r>
-            <a:endParaRPr lang="zh-CN" altLang="en-US"/>
           </a:p>
           <a:p>
             <a:pPr lvl="2"/>
@@ -1445,7 +1425,6 @@
               <a:rPr lang="zh-CN" altLang="en-US"/>
               <a:t>第三级</a:t>
             </a:r>
-            <a:endParaRPr lang="zh-CN" altLang="en-US"/>
           </a:p>
           <a:p>
             <a:pPr lvl="3"/>
@@ -1453,7 +1432,6 @@
               <a:rPr lang="zh-CN" altLang="en-US"/>
               <a:t>第四级</a:t>
             </a:r>
-            <a:endParaRPr lang="zh-CN" altLang="en-US"/>
           </a:p>
           <a:p>
             <a:pPr lvl="4"/>
@@ -1461,7 +1439,6 @@
               <a:rPr lang="zh-CN" altLang="en-US"/>
               <a:t>第五级</a:t>
             </a:r>
-            <a:endParaRPr lang="zh-CN" altLang="en-US"/>
           </a:p>
         </p:txBody>
       </p:sp>
@@ -1527,7 +1504,6 @@
               <a:rPr lang="zh-CN" altLang="en-US"/>
               <a:t>单击此处编辑母版文本样式</a:t>
             </a:r>
-            <a:endParaRPr lang="zh-CN" altLang="en-US"/>
           </a:p>
         </p:txBody>
       </p:sp>
@@ -1556,7 +1532,6 @@
               <a:rPr lang="zh-CN" altLang="en-US"/>
               <a:t>单击此处编辑母版文本样式</a:t>
             </a:r>
-            <a:endParaRPr lang="zh-CN" altLang="en-US"/>
           </a:p>
           <a:p>
             <a:pPr lvl="1"/>
@@ -1564,7 +1539,6 @@
               <a:rPr lang="zh-CN" altLang="en-US"/>
               <a:t>第二级</a:t>
             </a:r>
-            <a:endParaRPr lang="zh-CN" altLang="en-US"/>
           </a:p>
           <a:p>
             <a:pPr lvl="2"/>
@@ -1572,7 +1546,6 @@
               <a:rPr lang="zh-CN" altLang="en-US"/>
               <a:t>第三级</a:t>
             </a:r>
-            <a:endParaRPr lang="zh-CN" altLang="en-US"/>
           </a:p>
           <a:p>
             <a:pPr lvl="3"/>
@@ -1580,7 +1553,6 @@
               <a:rPr lang="zh-CN" altLang="en-US"/>
               <a:t>第四级</a:t>
             </a:r>
-            <a:endParaRPr lang="zh-CN" altLang="en-US"/>
           </a:p>
           <a:p>
             <a:pPr lvl="4"/>
@@ -1588,7 +1560,6 @@
               <a:rPr lang="zh-CN" altLang="en-US"/>
               <a:t>第五级</a:t>
             </a:r>
-            <a:endParaRPr lang="zh-CN" altLang="en-US"/>
           </a:p>
         </p:txBody>
       </p:sp>
@@ -1609,6 +1580,7 @@
           <a:p>
             <a:fld id="{D997B5FA-0921-464F-AAE1-844C04324D75}" type="datetimeFigureOut">
               <a:rPr lang="zh-CN" altLang="en-US" smtClean="0"/>
+              <a:t>2022/6/7</a:t>
             </a:fld>
             <a:endParaRPr lang="zh-CN" altLang="en-US"/>
           </a:p>
@@ -1650,6 +1622,7 @@
           <a:p>
             <a:fld id="{565CE74E-AB26-4998-AD42-012C4C1AD076}" type="slidenum">
               <a:rPr lang="zh-CN" altLang="en-US" smtClean="0"/>
+              <a:t>‹#›</a:t>
             </a:fld>
             <a:endParaRPr lang="zh-CN" altLang="en-US"/>
           </a:p>
@@ -1699,7 +1672,6 @@
               <a:rPr lang="zh-CN" altLang="en-US"/>
               <a:t>单击此处编辑母版标题样式</a:t>
             </a:r>
-            <a:endParaRPr lang="zh-CN" altLang="en-US"/>
           </a:p>
         </p:txBody>
       </p:sp>
@@ -1720,6 +1692,7 @@
           <a:p>
             <a:fld id="{D997B5FA-0921-464F-AAE1-844C04324D75}" type="datetimeFigureOut">
               <a:rPr lang="zh-CN" altLang="en-US" smtClean="0"/>
+              <a:t>2022/6/7</a:t>
             </a:fld>
             <a:endParaRPr lang="zh-CN" altLang="en-US"/>
           </a:p>
@@ -1761,6 +1734,7 @@
           <a:p>
             <a:fld id="{565CE74E-AB26-4998-AD42-012C4C1AD076}" type="slidenum">
               <a:rPr lang="zh-CN" altLang="en-US" smtClean="0"/>
+              <a:t>‹#›</a:t>
             </a:fld>
             <a:endParaRPr lang="zh-CN" altLang="en-US"/>
           </a:p>
@@ -1808,6 +1782,7 @@
           <a:p>
             <a:fld id="{D997B5FA-0921-464F-AAE1-844C04324D75}" type="datetimeFigureOut">
               <a:rPr lang="zh-CN" altLang="en-US" smtClean="0"/>
+              <a:t>2022/6/7</a:t>
             </a:fld>
             <a:endParaRPr lang="zh-CN" altLang="en-US"/>
           </a:p>
@@ -1849,6 +1824,7 @@
           <a:p>
             <a:fld id="{565CE74E-AB26-4998-AD42-012C4C1AD076}" type="slidenum">
               <a:rPr lang="zh-CN" altLang="en-US" smtClean="0"/>
+              <a:t>‹#›</a:t>
             </a:fld>
             <a:endParaRPr lang="zh-CN" altLang="en-US"/>
           </a:p>
@@ -1907,7 +1883,6 @@
               <a:rPr lang="zh-CN" altLang="en-US"/>
               <a:t>单击此处编辑母版标题样式</a:t>
             </a:r>
-            <a:endParaRPr lang="zh-CN" altLang="en-US"/>
           </a:p>
         </p:txBody>
       </p:sp>
@@ -1964,7 +1939,6 @@
               <a:rPr lang="zh-CN" altLang="en-US"/>
               <a:t>单击此处编辑母版文本样式</a:t>
             </a:r>
-            <a:endParaRPr lang="zh-CN" altLang="en-US"/>
           </a:p>
           <a:p>
             <a:pPr lvl="1"/>
@@ -1972,7 +1946,6 @@
               <a:rPr lang="zh-CN" altLang="en-US"/>
               <a:t>第二级</a:t>
             </a:r>
-            <a:endParaRPr lang="zh-CN" altLang="en-US"/>
           </a:p>
           <a:p>
             <a:pPr lvl="2"/>
@@ -1980,7 +1953,6 @@
               <a:rPr lang="zh-CN" altLang="en-US"/>
               <a:t>第三级</a:t>
             </a:r>
-            <a:endParaRPr lang="zh-CN" altLang="en-US"/>
           </a:p>
           <a:p>
             <a:pPr lvl="3"/>
@@ -1988,7 +1960,6 @@
               <a:rPr lang="zh-CN" altLang="en-US"/>
               <a:t>第四级</a:t>
             </a:r>
-            <a:endParaRPr lang="zh-CN" altLang="en-US"/>
           </a:p>
           <a:p>
             <a:pPr lvl="4"/>
@@ -1996,7 +1967,6 @@
               <a:rPr lang="zh-CN" altLang="en-US"/>
               <a:t>第五级</a:t>
             </a:r>
-            <a:endParaRPr lang="zh-CN" altLang="en-US"/>
           </a:p>
         </p:txBody>
       </p:sp>
@@ -2062,7 +2032,6 @@
               <a:rPr lang="zh-CN" altLang="en-US"/>
               <a:t>单击此处编辑母版文本样式</a:t>
             </a:r>
-            <a:endParaRPr lang="zh-CN" altLang="en-US"/>
           </a:p>
         </p:txBody>
       </p:sp>
@@ -2083,6 +2052,7 @@
           <a:p>
             <a:fld id="{D997B5FA-0921-464F-AAE1-844C04324D75}" type="datetimeFigureOut">
               <a:rPr lang="zh-CN" altLang="en-US" smtClean="0"/>
+              <a:t>2022/6/7</a:t>
             </a:fld>
             <a:endParaRPr lang="zh-CN" altLang="en-US"/>
           </a:p>
@@ -2124,6 +2094,7 @@
           <a:p>
             <a:fld id="{565CE74E-AB26-4998-AD42-012C4C1AD076}" type="slidenum">
               <a:rPr lang="zh-CN" altLang="en-US" smtClean="0"/>
+              <a:t>‹#›</a:t>
             </a:fld>
             <a:endParaRPr lang="zh-CN" altLang="en-US"/>
           </a:p>
@@ -2182,7 +2153,6 @@
               <a:rPr lang="zh-CN" altLang="en-US"/>
               <a:t>单击此处编辑母版标题样式</a:t>
             </a:r>
-            <a:endParaRPr lang="zh-CN" altLang="en-US"/>
           </a:p>
         </p:txBody>
       </p:sp>
@@ -2309,7 +2279,6 @@
               <a:rPr lang="zh-CN" altLang="en-US"/>
               <a:t>单击此处编辑母版文本样式</a:t>
             </a:r>
-            <a:endParaRPr lang="zh-CN" altLang="en-US"/>
           </a:p>
         </p:txBody>
       </p:sp>
@@ -2330,6 +2299,7 @@
           <a:p>
             <a:fld id="{D997B5FA-0921-464F-AAE1-844C04324D75}" type="datetimeFigureOut">
               <a:rPr lang="zh-CN" altLang="en-US" smtClean="0"/>
+              <a:t>2022/6/7</a:t>
             </a:fld>
             <a:endParaRPr lang="zh-CN" altLang="en-US"/>
           </a:p>
@@ -2371,6 +2341,7 @@
           <a:p>
             <a:fld id="{565CE74E-AB26-4998-AD42-012C4C1AD076}" type="slidenum">
               <a:rPr lang="zh-CN" altLang="en-US" smtClean="0"/>
+              <a:t>‹#›</a:t>
             </a:fld>
             <a:endParaRPr lang="zh-CN" altLang="en-US"/>
           </a:p>
@@ -2435,7 +2406,6 @@
               <a:rPr lang="zh-CN" altLang="en-US"/>
               <a:t>单击此处编辑母版标题样式</a:t>
             </a:r>
-            <a:endParaRPr lang="zh-CN" altLang="en-US"/>
           </a:p>
         </p:txBody>
       </p:sp>
@@ -2469,7 +2439,6 @@
               <a:rPr lang="zh-CN" altLang="en-US"/>
               <a:t>单击此处编辑母版文本样式</a:t>
             </a:r>
-            <a:endParaRPr lang="zh-CN" altLang="en-US"/>
           </a:p>
           <a:p>
             <a:pPr lvl="1"/>
@@ -2477,7 +2446,6 @@
               <a:rPr lang="zh-CN" altLang="en-US"/>
               <a:t>第二级</a:t>
             </a:r>
-            <a:endParaRPr lang="zh-CN" altLang="en-US"/>
           </a:p>
           <a:p>
             <a:pPr lvl="2"/>
@@ -2485,7 +2453,6 @@
               <a:rPr lang="zh-CN" altLang="en-US"/>
               <a:t>第三级</a:t>
             </a:r>
-            <a:endParaRPr lang="zh-CN" altLang="en-US"/>
           </a:p>
           <a:p>
             <a:pPr lvl="3"/>
@@ -2493,7 +2460,6 @@
               <a:rPr lang="zh-CN" altLang="en-US"/>
               <a:t>第四级</a:t>
             </a:r>
-            <a:endParaRPr lang="zh-CN" altLang="en-US"/>
           </a:p>
           <a:p>
             <a:pPr lvl="4"/>
@@ -2501,7 +2467,6 @@
               <a:rPr lang="zh-CN" altLang="en-US"/>
               <a:t>第五级</a:t>
             </a:r>
-            <a:endParaRPr lang="zh-CN" altLang="en-US"/>
           </a:p>
         </p:txBody>
       </p:sp>
@@ -2540,6 +2505,7 @@
           <a:p>
             <a:fld id="{D997B5FA-0921-464F-AAE1-844C04324D75}" type="datetimeFigureOut">
               <a:rPr lang="zh-CN" altLang="en-US" smtClean="0"/>
+              <a:t>2022/6/7</a:t>
             </a:fld>
             <a:endParaRPr lang="zh-CN" altLang="en-US"/>
           </a:p>
@@ -2617,6 +2583,7 @@
           <a:p>
             <a:fld id="{565CE74E-AB26-4998-AD42-012C4C1AD076}" type="slidenum">
               <a:rPr lang="zh-CN" altLang="en-US" smtClean="0"/>
+              <a:t>‹#›</a:t>
             </a:fld>
             <a:endParaRPr lang="zh-CN" altLang="en-US"/>
           </a:p>
@@ -2947,7 +2914,7 @@
           <p:nvPr/>
         </p:nvPicPr>
         <p:blipFill>
-          <a:blip r:embed="rId1"/>
+          <a:blip r:embed="rId2"/>
           <a:stretch>
             <a:fillRect/>
           </a:stretch>
@@ -3101,22 +3068,6 @@
               </a:rPr>
               <a:t>面向企业技术需求的专家对接服务平台</a:t>
             </a:r>
-            <a:endParaRPr kumimoji="0" lang="zh-CN" altLang="en-US" sz="2800" i="0" u="none" strike="noStrike" kern="1200" cap="none" spc="0" normalizeH="0" baseline="0" noProof="0" dirty="0">
-              <a:ln>
-                <a:noFill/>
-              </a:ln>
-              <a:solidFill>
-                <a:schemeClr val="accent1">
-                  <a:lumMod val="75000"/>
-                </a:schemeClr>
-              </a:solidFill>
-              <a:effectLst/>
-              <a:uLnTx/>
-              <a:uFillTx/>
-              <a:latin typeface="经典综艺体简" panose="02010609000101010101" pitchFamily="49" charset="-122"/>
-              <a:ea typeface="经典综艺体简" panose="02010609000101010101" pitchFamily="49" charset="-122"/>
-              <a:cs typeface="经典综艺体简" panose="02010609000101010101" pitchFamily="49" charset="-122"/>
-            </a:endParaRPr>
           </a:p>
         </p:txBody>
       </p:sp>
@@ -3265,7 +3216,7 @@
           <p:nvPr/>
         </p:nvPicPr>
         <p:blipFill>
-          <a:blip r:embed="rId2"/>
+          <a:blip r:embed="rId3"/>
           <a:stretch>
             <a:fillRect/>
           </a:stretch>
@@ -3313,6 +3264,7 @@
         </p:style>
         <p:txBody>
           <a:bodyPr rtlCol="0" anchor="ctr"/>
+          <a:lstStyle/>
           <a:p>
             <a:pPr algn="ctr"/>
             <a:endParaRPr lang="zh-CN" altLang="en-US"/>
@@ -3352,6 +3304,7 @@
         </p:style>
         <p:txBody>
           <a:bodyPr rtlCol="0" anchor="ctr"/>
+          <a:lstStyle/>
           <a:p>
             <a:pPr algn="ctr"/>
             <a:endParaRPr lang="zh-CN" altLang="en-US"/>
@@ -3391,6 +3344,7 @@
         </p:style>
         <p:txBody>
           <a:bodyPr rtlCol="0" anchor="ctr"/>
+          <a:lstStyle/>
           <a:p>
             <a:pPr algn="ctr"/>
             <a:endParaRPr lang="zh-CN" altLang="en-US"/>
@@ -3417,6 +3371,7 @@
           <a:bodyPr wrap="square" rtlCol="0">
             <a:spAutoFit/>
           </a:bodyPr>
+          <a:lstStyle/>
           <a:p>
             <a:r>
               <a:rPr lang="zh-CN" altLang="en-US"/>
@@ -3426,7 +3381,6 @@
               <a:rPr lang="en-US" altLang="zh-CN"/>
               <a:t>4-12</a:t>
             </a:r>
-            <a:endParaRPr lang="en-US" altLang="zh-CN"/>
           </a:p>
         </p:txBody>
       </p:sp>
@@ -3450,12 +3404,99 @@
           <a:bodyPr wrap="square" rtlCol="0">
             <a:spAutoFit/>
           </a:bodyPr>
+          <a:lstStyle/>
           <a:p>
             <a:r>
               <a:rPr lang="zh-CN" altLang="en-US"/>
               <a:t>汇报：梁沛贤</a:t>
             </a:r>
             <a:endParaRPr lang="en-US" altLang="zh-CN"/>
+          </a:p>
+        </p:txBody>
+      </p:sp>
+      <p:sp>
+        <p:nvSpPr>
+          <p:cNvPr id="13" name="矩形 12">
+            <a:extLst>
+              <a:ext uri="{FF2B5EF4-FFF2-40B4-BE49-F238E27FC236}">
+                <a16:creationId xmlns:a16="http://schemas.microsoft.com/office/drawing/2014/main" id="{8E61752F-055F-3D4A-A746-460CC10CA289}"/>
+              </a:ext>
+            </a:extLst>
+          </p:cNvPr>
+          <p:cNvSpPr/>
+          <p:nvPr/>
+        </p:nvSpPr>
+        <p:spPr>
+          <a:xfrm>
+            <a:off x="3747184" y="4372610"/>
+            <a:ext cx="1707409" cy="589915"/>
+          </a:xfrm>
+          <a:prstGeom prst="rect">
+            <a:avLst/>
+          </a:prstGeom>
+        </p:spPr>
+        <p:style>
+          <a:lnRef idx="2">
+            <a:schemeClr val="accent1">
+              <a:shade val="50000"/>
+            </a:schemeClr>
+          </a:lnRef>
+          <a:fillRef idx="1">
+            <a:schemeClr val="accent1"/>
+          </a:fillRef>
+          <a:effectRef idx="0">
+            <a:schemeClr val="accent1"/>
+          </a:effectRef>
+          <a:fontRef idx="minor">
+            <a:schemeClr val="lt1"/>
+          </a:fontRef>
+        </p:style>
+        <p:txBody>
+          <a:bodyPr rtlCol="0" anchor="ctr"/>
+          <a:lstStyle/>
+          <a:p>
+            <a:pPr algn="ctr"/>
+            <a:endParaRPr lang="zh-CN" altLang="en-US"/>
+          </a:p>
+        </p:txBody>
+      </p:sp>
+      <p:sp>
+        <p:nvSpPr>
+          <p:cNvPr id="14" name="文本框 13">
+            <a:extLst>
+              <a:ext uri="{FF2B5EF4-FFF2-40B4-BE49-F238E27FC236}">
+                <a16:creationId xmlns:a16="http://schemas.microsoft.com/office/drawing/2014/main" id="{4403F79C-0CED-EB43-B713-C35E01CE1149}"/>
+              </a:ext>
+            </a:extLst>
+          </p:cNvPr>
+          <p:cNvSpPr txBox="1"/>
+          <p:nvPr/>
+        </p:nvSpPr>
+        <p:spPr>
+          <a:xfrm>
+            <a:off x="3747185" y="4483100"/>
+            <a:ext cx="1856740" cy="369332"/>
+          </a:xfrm>
+          <a:prstGeom prst="rect">
+            <a:avLst/>
+          </a:prstGeom>
+          <a:noFill/>
+        </p:spPr>
+        <p:txBody>
+          <a:bodyPr wrap="square" rtlCol="0">
+            <a:spAutoFit/>
+          </a:bodyPr>
+          <a:lstStyle/>
+          <a:p>
+            <a:r>
+              <a:rPr lang="en-US" altLang="zh-CN" dirty="0"/>
+              <a:t>O2E-TU-2 </a:t>
+            </a:r>
+            <a:r>
+              <a:rPr lang="zh-CN" altLang="en-US" dirty="0"/>
+              <a:t>小组</a:t>
+            </a:r>
+            <a:endParaRPr lang="en-US" altLang="zh-CN" dirty="0"/>
           </a:p>
         </p:txBody>
       </p:sp>
@@ -3627,20 +3668,6 @@
                 </a:rPr>
                 <a:t>数据库构建</a:t>
               </a:r>
-              <a:endParaRPr kumimoji="0" lang="zh-CN" altLang="en-US" sz="3200" b="1" i="0" u="none" strike="noStrike" kern="0" cap="none" spc="0" normalizeH="0" baseline="0" noProof="0" dirty="0">
-                <a:ln>
-                  <a:noFill/>
-                </a:ln>
-                <a:solidFill>
-                  <a:prstClr val="white"/>
-                </a:solidFill>
-                <a:effectLst/>
-                <a:uLnTx/>
-                <a:uFillTx/>
-                <a:latin typeface="Verdana" panose="020B0604030504040204"/>
-                <a:ea typeface="微软雅黑" panose="020B0503020204020204" pitchFamily="34" charset="-122"/>
-                <a:cs typeface="+mn-cs"/>
-              </a:endParaRPr>
             </a:p>
           </p:txBody>
         </p:sp>
@@ -3887,13 +3914,6 @@
               </a:rPr>
               <a:t>  数据库构建</a:t>
             </a:r>
-            <a:endParaRPr kumimoji="1" lang="zh-CN" altLang="en-US" sz="3200" b="1" dirty="0">
-              <a:solidFill>
-                <a:schemeClr val="tx2"/>
-              </a:solidFill>
-              <a:latin typeface="微软雅黑" panose="020B0503020204020204" pitchFamily="34" charset="-122"/>
-              <a:ea typeface="微软雅黑" panose="020B0503020204020204" pitchFamily="34" charset="-122"/>
-            </a:endParaRPr>
           </a:p>
         </p:txBody>
       </p:sp>
@@ -3939,16 +3959,6 @@
               </a:rPr>
               <a:t>数据库模板的修改与新增（未来可能会有修改）</a:t>
             </a:r>
-            <a:endParaRPr lang="zh-CN" altLang="en-US" sz="2400" b="1">
-              <a:solidFill>
-                <a:schemeClr val="tx1"/>
-              </a:solidFill>
-              <a:effectLst/>
-              <a:latin typeface="微软雅黑" panose="020B0503020204020204" pitchFamily="34" charset="-122"/>
-              <a:ea typeface="微软雅黑" panose="020B0503020204020204" pitchFamily="34" charset="-122"/>
-              <a:cs typeface="华文楷体" panose="02010600040101010101" charset="-122"/>
-              <a:sym typeface="+mn-ea"/>
-            </a:endParaRPr>
           </a:p>
           <a:p>
             <a:pPr marL="0" lvl="0" indent="0" fontAlgn="auto">
@@ -3984,16 +3994,6 @@
               </a:rPr>
               <a:t>数据库实体分析</a:t>
             </a:r>
-            <a:endParaRPr lang="zh-CN" altLang="en-US" sz="2400" b="1">
-              <a:solidFill>
-                <a:schemeClr val="tx1"/>
-              </a:solidFill>
-              <a:effectLst/>
-              <a:latin typeface="华文楷体" panose="02010600040101010101" charset="-122"/>
-              <a:ea typeface="华文楷体" panose="02010600040101010101" charset="-122"/>
-              <a:cs typeface="华文楷体" panose="02010600040101010101" charset="-122"/>
-              <a:sym typeface="+mn-ea"/>
-            </a:endParaRPr>
           </a:p>
           <a:p>
             <a:pPr marL="457200" lvl="1" indent="0" fontAlgn="auto">
@@ -4042,16 +4042,6 @@
               </a:rPr>
               <a:t>图。</a:t>
             </a:r>
-            <a:endParaRPr lang="zh-CN" altLang="en-US" sz="2400">
-              <a:solidFill>
-                <a:schemeClr val="tx1"/>
-              </a:solidFill>
-              <a:effectLst/>
-              <a:latin typeface="华文楷体" panose="02010600040101010101" charset="-122"/>
-              <a:ea typeface="华文楷体" panose="02010600040101010101" charset="-122"/>
-              <a:cs typeface="华文楷体" panose="02010600040101010101" charset="-122"/>
-              <a:sym typeface="+mn-ea"/>
-            </a:endParaRPr>
           </a:p>
           <a:p>
             <a:pPr marL="0" lvl="0" indent="0" fontAlgn="auto">
@@ -4121,13 +4111,6 @@
               </a:rPr>
               <a:t>）类，完善原始数据库</a:t>
             </a:r>
-            <a:endParaRPr lang="zh-CN" altLang="en-US" sz="2400" b="1">
-              <a:effectLst/>
-              <a:latin typeface="华文楷体" panose="02010600040101010101" charset="-122"/>
-              <a:ea typeface="华文楷体" panose="02010600040101010101" charset="-122"/>
-              <a:cs typeface="华文楷体" panose="02010600040101010101" charset="-122"/>
-              <a:sym typeface="+mn-ea"/>
-            </a:endParaRPr>
           </a:p>
           <a:p>
             <a:pPr marL="457200" lvl="1" indent="0" fontAlgn="auto">
@@ -4176,16 +4159,6 @@
               </a:rPr>
               <a:t>图编写模板类，重点是学习一对多，多对多关系的构建。</a:t>
             </a:r>
-            <a:endParaRPr lang="zh-CN" altLang="en-US" sz="2400">
-              <a:solidFill>
-                <a:schemeClr val="tx1"/>
-              </a:solidFill>
-              <a:effectLst/>
-              <a:latin typeface="华文楷体" panose="02010600040101010101" charset="-122"/>
-              <a:ea typeface="华文楷体" panose="02010600040101010101" charset="-122"/>
-              <a:cs typeface="华文楷体" panose="02010600040101010101" charset="-122"/>
-              <a:sym typeface="+mn-ea"/>
-            </a:endParaRPr>
           </a:p>
         </p:txBody>
       </p:sp>
@@ -4198,7 +4171,7 @@
           <p:nvPr/>
         </p:nvPicPr>
         <p:blipFill>
-          <a:blip r:embed="rId1"/>
+          <a:blip r:embed="rId2"/>
           <a:stretch>
             <a:fillRect/>
           </a:stretch>
@@ -4222,7 +4195,7 @@
           <p:nvPr/>
         </p:nvPicPr>
         <p:blipFill>
-          <a:blip r:embed="rId2"/>
+          <a:blip r:embed="rId3"/>
           <a:stretch>
             <a:fillRect/>
           </a:stretch>
@@ -4405,20 +4378,6 @@
                 </a:rPr>
                 <a:t>数据库构建</a:t>
               </a:r>
-              <a:endParaRPr kumimoji="0" lang="zh-CN" altLang="en-US" sz="3200" b="1" i="0" u="none" strike="noStrike" kern="0" cap="none" spc="0" normalizeH="0" baseline="0" noProof="0" dirty="0">
-                <a:ln>
-                  <a:noFill/>
-                </a:ln>
-                <a:solidFill>
-                  <a:prstClr val="white"/>
-                </a:solidFill>
-                <a:effectLst/>
-                <a:uLnTx/>
-                <a:uFillTx/>
-                <a:latin typeface="Verdana" panose="020B0604030504040204"/>
-                <a:ea typeface="微软雅黑" panose="020B0503020204020204" pitchFamily="34" charset="-122"/>
-                <a:cs typeface="+mn-cs"/>
-              </a:endParaRPr>
             </a:p>
           </p:txBody>
         </p:sp>
@@ -4665,13 +4624,6 @@
               </a:rPr>
               <a:t>  数据库构建</a:t>
             </a:r>
-            <a:endParaRPr kumimoji="1" lang="zh-CN" altLang="en-US" sz="3200" b="1" dirty="0">
-              <a:solidFill>
-                <a:schemeClr val="tx2"/>
-              </a:solidFill>
-              <a:latin typeface="微软雅黑" panose="020B0503020204020204" pitchFamily="34" charset="-122"/>
-              <a:ea typeface="微软雅黑" panose="020B0503020204020204" pitchFamily="34" charset="-122"/>
-            </a:endParaRPr>
           </a:p>
         </p:txBody>
       </p:sp>
@@ -4717,16 +4669,6 @@
               </a:rPr>
               <a:t>数据库模板的修改与新增（未来可能会有修改）</a:t>
             </a:r>
-            <a:endParaRPr lang="zh-CN" altLang="en-US" sz="2400" b="1">
-              <a:solidFill>
-                <a:schemeClr val="tx1"/>
-              </a:solidFill>
-              <a:effectLst/>
-              <a:latin typeface="微软雅黑" panose="020B0503020204020204" pitchFamily="34" charset="-122"/>
-              <a:ea typeface="微软雅黑" panose="020B0503020204020204" pitchFamily="34" charset="-122"/>
-              <a:cs typeface="华文楷体" panose="02010600040101010101" charset="-122"/>
-              <a:sym typeface="+mn-ea"/>
-            </a:endParaRPr>
           </a:p>
           <a:p>
             <a:pPr marL="0" lvl="0" indent="0" fontAlgn="auto">
@@ -4758,7 +4700,7 @@
           <p:nvPr/>
         </p:nvPicPr>
         <p:blipFill>
-          <a:blip r:embed="rId1"/>
+          <a:blip r:embed="rId2"/>
           <a:stretch>
             <a:fillRect/>
           </a:stretch>
@@ -4782,7 +4724,7 @@
           <p:nvPr/>
         </p:nvPicPr>
         <p:blipFill>
-          <a:blip r:embed="rId2"/>
+          <a:blip r:embed="rId3"/>
           <a:stretch>
             <a:fillRect/>
           </a:stretch>
@@ -4806,7 +4748,7 @@
           <p:nvPr/>
         </p:nvPicPr>
         <p:blipFill>
-          <a:blip r:embed="rId3"/>
+          <a:blip r:embed="rId4"/>
           <a:stretch>
             <a:fillRect/>
           </a:stretch>
@@ -4841,6 +4783,7 @@
           <a:bodyPr wrap="none" rtlCol="0">
             <a:spAutoFit/>
           </a:bodyPr>
+          <a:lstStyle/>
           <a:p>
             <a:r>
               <a:rPr lang="en-US" altLang="zh-CN"/>
@@ -4850,7 +4793,6 @@
               <a:rPr lang="zh-CN" altLang="en-US"/>
               <a:t>图</a:t>
             </a:r>
-            <a:endParaRPr lang="zh-CN" altLang="en-US"/>
           </a:p>
         </p:txBody>
       </p:sp>
@@ -5022,20 +4964,6 @@
                 </a:rPr>
                 <a:t>客观因素</a:t>
               </a:r>
-              <a:endParaRPr kumimoji="0" lang="zh-CN" altLang="en-US" sz="3200" b="1" i="0" u="none" strike="noStrike" kern="0" cap="none" spc="0" normalizeH="0" baseline="0" noProof="0" dirty="0">
-                <a:ln>
-                  <a:noFill/>
-                </a:ln>
-                <a:solidFill>
-                  <a:prstClr val="white"/>
-                </a:solidFill>
-                <a:effectLst/>
-                <a:uLnTx/>
-                <a:uFillTx/>
-                <a:latin typeface="Verdana" panose="020B0604030504040204"/>
-                <a:ea typeface="微软雅黑" panose="020B0503020204020204" pitchFamily="34" charset="-122"/>
-                <a:cs typeface="+mn-cs"/>
-              </a:endParaRPr>
             </a:p>
           </p:txBody>
         </p:sp>
@@ -5334,16 +5262,6 @@
               </a:rPr>
               <a:t>前端代码量大且难以分析</a:t>
             </a:r>
-            <a:endParaRPr lang="zh-CN" sz="2400" b="1">
-              <a:solidFill>
-                <a:schemeClr val="tx1"/>
-              </a:solidFill>
-              <a:effectLst/>
-              <a:latin typeface="微软雅黑" panose="020B0503020204020204" pitchFamily="34" charset="-122"/>
-              <a:ea typeface="微软雅黑" panose="020B0503020204020204" pitchFamily="34" charset="-122"/>
-              <a:cs typeface="华文楷体" panose="02010600040101010101" charset="-122"/>
-              <a:sym typeface="+mn-ea"/>
-            </a:endParaRPr>
           </a:p>
           <a:p>
             <a:pPr marL="0" lvl="0" indent="0" fontAlgn="auto">
@@ -5379,16 +5297,6 @@
               </a:rPr>
               <a:t>、前端包括三个主体，缺少任何的注释，代码量巨大</a:t>
             </a:r>
-            <a:endParaRPr lang="zh-CN" altLang="en-US" sz="2400">
-              <a:solidFill>
-                <a:schemeClr val="tx1"/>
-              </a:solidFill>
-              <a:effectLst/>
-              <a:latin typeface="华文楷体" panose="02010600040101010101" charset="-122"/>
-              <a:ea typeface="华文楷体" panose="02010600040101010101" charset="-122"/>
-              <a:cs typeface="华文楷体" panose="02010600040101010101" charset="-122"/>
-              <a:sym typeface="+mn-ea"/>
-            </a:endParaRPr>
           </a:p>
           <a:p>
             <a:pPr marL="0" lvl="0" indent="0" fontAlgn="auto">
@@ -5476,16 +5384,6 @@
               </a:rPr>
               <a:t>的成分</a:t>
             </a:r>
-            <a:endParaRPr lang="zh-CN" altLang="en-US" sz="2400">
-              <a:solidFill>
-                <a:schemeClr val="tx1"/>
-              </a:solidFill>
-              <a:effectLst/>
-              <a:latin typeface="华文楷体" panose="02010600040101010101" charset="-122"/>
-              <a:ea typeface="华文楷体" panose="02010600040101010101" charset="-122"/>
-              <a:cs typeface="华文楷体" panose="02010600040101010101" charset="-122"/>
-              <a:sym typeface="+mn-ea"/>
-            </a:endParaRPr>
           </a:p>
           <a:p>
             <a:pPr marL="0" lvl="0" indent="0" fontAlgn="auto">
@@ -5565,16 +5463,6 @@
               </a:rPr>
               <a:t>后端局域网设置问题</a:t>
             </a:r>
-            <a:endParaRPr lang="zh-CN" sz="2400" b="1">
-              <a:solidFill>
-                <a:schemeClr val="tx1"/>
-              </a:solidFill>
-              <a:effectLst/>
-              <a:latin typeface="微软雅黑" panose="020B0503020204020204" pitchFamily="34" charset="-122"/>
-              <a:ea typeface="微软雅黑" panose="020B0503020204020204" pitchFamily="34" charset="-122"/>
-              <a:cs typeface="华文楷体" panose="02010600040101010101" charset="-122"/>
-              <a:sym typeface="+mn-ea"/>
-            </a:endParaRPr>
           </a:p>
           <a:p>
             <a:pPr marL="0" lvl="0" indent="0" fontAlgn="auto">
@@ -5644,7 +5532,7 @@
           <p:nvPr/>
         </p:nvPicPr>
         <p:blipFill>
-          <a:blip r:embed="rId1"/>
+          <a:blip r:embed="rId2"/>
           <a:stretch>
             <a:fillRect/>
           </a:stretch>
@@ -5668,7 +5556,7 @@
           <p:nvPr/>
         </p:nvPicPr>
         <p:blipFill>
-          <a:blip r:embed="rId2"/>
+          <a:blip r:embed="rId3"/>
           <a:stretch>
             <a:fillRect/>
           </a:stretch>
@@ -5692,7 +5580,7 @@
           <p:nvPr/>
         </p:nvPicPr>
         <p:blipFill>
-          <a:blip r:embed="rId3"/>
+          <a:blip r:embed="rId4"/>
           <a:stretch>
             <a:fillRect/>
           </a:stretch>
@@ -5875,20 +5763,6 @@
                 </a:rPr>
                 <a:t>主观因素</a:t>
               </a:r>
-              <a:endParaRPr kumimoji="0" lang="zh-CN" altLang="en-US" sz="3200" b="1" i="0" u="none" strike="noStrike" kern="0" cap="none" spc="0" normalizeH="0" baseline="0" noProof="0" dirty="0">
-                <a:ln>
-                  <a:noFill/>
-                </a:ln>
-                <a:solidFill>
-                  <a:prstClr val="white"/>
-                </a:solidFill>
-                <a:effectLst/>
-                <a:uLnTx/>
-                <a:uFillTx/>
-                <a:latin typeface="Verdana" panose="020B0604030504040204"/>
-                <a:ea typeface="微软雅黑" panose="020B0503020204020204" pitchFamily="34" charset="-122"/>
-                <a:cs typeface="+mn-cs"/>
-              </a:endParaRPr>
             </a:p>
           </p:txBody>
         </p:sp>
@@ -6135,13 +6009,6 @@
               </a:rPr>
               <a:t>  一些问题</a:t>
             </a:r>
-            <a:endParaRPr kumimoji="1" lang="zh-CN" altLang="en-US" sz="3200" b="1" dirty="0">
-              <a:solidFill>
-                <a:schemeClr val="tx2"/>
-              </a:solidFill>
-              <a:latin typeface="微软雅黑" panose="020B0503020204020204" pitchFamily="34" charset="-122"/>
-              <a:ea typeface="微软雅黑" panose="020B0503020204020204" pitchFamily="34" charset="-122"/>
-            </a:endParaRPr>
           </a:p>
         </p:txBody>
       </p:sp>
@@ -6187,16 +6054,6 @@
               </a:rPr>
               <a:t>缺乏有效的管理和时间调度</a:t>
             </a:r>
-            <a:endParaRPr lang="zh-CN" altLang="en-US" sz="2400" b="1">
-              <a:solidFill>
-                <a:schemeClr val="tx1"/>
-              </a:solidFill>
-              <a:effectLst/>
-              <a:latin typeface="微软雅黑" panose="020B0503020204020204" pitchFamily="34" charset="-122"/>
-              <a:ea typeface="微软雅黑" panose="020B0503020204020204" pitchFamily="34" charset="-122"/>
-              <a:cs typeface="华文楷体" panose="02010600040101010101" charset="-122"/>
-              <a:sym typeface="+mn-ea"/>
-            </a:endParaRPr>
           </a:p>
           <a:p>
             <a:pPr marL="0" lvl="0" indent="0" fontAlgn="auto">
@@ -6232,16 +6089,6 @@
               </a:rPr>
               <a:t>、没有及时进行任务分配</a:t>
             </a:r>
-            <a:endParaRPr lang="zh-CN" altLang="en-US" sz="2400">
-              <a:solidFill>
-                <a:schemeClr val="tx1"/>
-              </a:solidFill>
-              <a:effectLst/>
-              <a:latin typeface="华文楷体" panose="02010600040101010101" charset="-122"/>
-              <a:ea typeface="华文楷体" panose="02010600040101010101" charset="-122"/>
-              <a:cs typeface="华文楷体" panose="02010600040101010101" charset="-122"/>
-              <a:sym typeface="+mn-ea"/>
-            </a:endParaRPr>
           </a:p>
           <a:p>
             <a:pPr marL="0" lvl="0" indent="0" fontAlgn="auto">
@@ -6277,16 +6124,6 @@
               </a:rPr>
               <a:t>、缺乏软工的时间安排</a:t>
             </a:r>
-            <a:endParaRPr lang="zh-CN" altLang="en-US" sz="2400">
-              <a:solidFill>
-                <a:schemeClr val="tx1"/>
-              </a:solidFill>
-              <a:effectLst/>
-              <a:latin typeface="华文楷体" panose="02010600040101010101" charset="-122"/>
-              <a:ea typeface="华文楷体" panose="02010600040101010101" charset="-122"/>
-              <a:cs typeface="华文楷体" panose="02010600040101010101" charset="-122"/>
-              <a:sym typeface="+mn-ea"/>
-            </a:endParaRPr>
           </a:p>
           <a:p>
             <a:pPr marL="0" lvl="0" indent="0" fontAlgn="auto">
@@ -6322,13 +6159,6 @@
               </a:rPr>
               <a:t>计划完成和实际完成</a:t>
             </a:r>
-            <a:endParaRPr lang="zh-CN" altLang="en-US" sz="2400" b="1">
-              <a:effectLst/>
-              <a:latin typeface="微软雅黑" panose="020B0503020204020204" pitchFamily="34" charset="-122"/>
-              <a:ea typeface="微软雅黑" panose="020B0503020204020204" pitchFamily="34" charset="-122"/>
-              <a:cs typeface="华文楷体" panose="02010600040101010101" charset="-122"/>
-              <a:sym typeface="+mn-ea"/>
-            </a:endParaRPr>
           </a:p>
           <a:p>
             <a:pPr marL="0" lvl="0" indent="0" fontAlgn="auto">
@@ -6351,16 +6181,6 @@
               </a:rPr>
               <a:t>计划完成：用户端验证、用户端需求平台的初步实现</a:t>
             </a:r>
-            <a:endParaRPr lang="zh-CN" altLang="en-US" sz="2400">
-              <a:solidFill>
-                <a:schemeClr val="tx1"/>
-              </a:solidFill>
-              <a:effectLst/>
-              <a:latin typeface="华文楷体" panose="02010600040101010101" charset="-122"/>
-              <a:ea typeface="华文楷体" panose="02010600040101010101" charset="-122"/>
-              <a:cs typeface="华文楷体" panose="02010600040101010101" charset="-122"/>
-              <a:sym typeface="+mn-ea"/>
-            </a:endParaRPr>
           </a:p>
           <a:p>
             <a:pPr marL="0" lvl="0" indent="0" fontAlgn="auto">
@@ -6435,16 +6255,6 @@
               </a:rPr>
               <a:t>）</a:t>
             </a:r>
-            <a:endParaRPr lang="zh-CN" altLang="en-US" sz="2400">
-              <a:solidFill>
-                <a:schemeClr val="tx1"/>
-              </a:solidFill>
-              <a:effectLst/>
-              <a:latin typeface="华文楷体" panose="02010600040101010101" charset="-122"/>
-              <a:ea typeface="华文楷体" panose="02010600040101010101" charset="-122"/>
-              <a:cs typeface="华文楷体" panose="02010600040101010101" charset="-122"/>
-              <a:sym typeface="+mn-ea"/>
-            </a:endParaRPr>
           </a:p>
         </p:txBody>
       </p:sp>
@@ -6457,7 +6267,7 @@
           <p:nvPr/>
         </p:nvPicPr>
         <p:blipFill>
-          <a:blip r:embed="rId1"/>
+          <a:blip r:embed="rId2"/>
           <a:stretch>
             <a:fillRect/>
           </a:stretch>
@@ -6481,7 +6291,7 @@
           <p:nvPr/>
         </p:nvPicPr>
         <p:blipFill>
-          <a:blip r:embed="rId2"/>
+          <a:blip r:embed="rId3"/>
           <a:stretch>
             <a:fillRect/>
           </a:stretch>
@@ -6558,11 +6368,6 @@
               </a:rPr>
               <a:t>后续计划</a:t>
             </a:r>
-            <a:endParaRPr lang="zh-CN" altLang="en-US" sz="6000" b="1" dirty="0">
-              <a:latin typeface="微软雅黑" panose="020B0503020204020204" pitchFamily="34" charset="-122"/>
-              <a:ea typeface="微软雅黑" panose="020B0503020204020204" pitchFamily="34" charset="-122"/>
-              <a:cs typeface="Yuppy SC" panose="020F0603040207020204" pitchFamily="34" charset="-122"/>
-            </a:endParaRPr>
           </a:p>
         </p:txBody>
       </p:sp>
@@ -6575,7 +6380,7 @@
           <p:nvPr/>
         </p:nvPicPr>
         <p:blipFill>
-          <a:blip r:embed="rId1"/>
+          <a:blip r:embed="rId2"/>
           <a:stretch>
             <a:fillRect/>
           </a:stretch>
@@ -7431,7 +7236,7 @@
           <p:nvPr/>
         </p:nvPicPr>
         <p:blipFill>
-          <a:blip r:embed="rId2"/>
+          <a:blip r:embed="rId3"/>
           <a:stretch>
             <a:fillRect/>
           </a:stretch>
@@ -7614,20 +7419,6 @@
                 </a:rPr>
                 <a:t>模型确定</a:t>
               </a:r>
-              <a:endParaRPr kumimoji="0" lang="zh-CN" altLang="en-US" sz="3200" b="1" i="0" u="none" strike="noStrike" kern="0" cap="none" spc="0" normalizeH="0" baseline="0" noProof="0" dirty="0">
-                <a:ln>
-                  <a:noFill/>
-                </a:ln>
-                <a:solidFill>
-                  <a:prstClr val="white"/>
-                </a:solidFill>
-                <a:effectLst/>
-                <a:uLnTx/>
-                <a:uFillTx/>
-                <a:latin typeface="Verdana" panose="020B0604030504040204"/>
-                <a:ea typeface="微软雅黑" panose="020B0503020204020204" pitchFamily="34" charset="-122"/>
-                <a:cs typeface="+mn-cs"/>
-              </a:endParaRPr>
             </a:p>
           </p:txBody>
         </p:sp>
@@ -7874,13 +7665,6 @@
               </a:rPr>
               <a:t>  数据库模型最终确定</a:t>
             </a:r>
-            <a:endParaRPr kumimoji="1" lang="zh-CN" altLang="en-US" sz="3200" b="1" dirty="0">
-              <a:solidFill>
-                <a:schemeClr val="tx2"/>
-              </a:solidFill>
-              <a:latin typeface="微软雅黑" panose="020B0503020204020204" pitchFamily="34" charset="-122"/>
-              <a:ea typeface="微软雅黑" panose="020B0503020204020204" pitchFamily="34" charset="-122"/>
-            </a:endParaRPr>
           </a:p>
         </p:txBody>
       </p:sp>
@@ -7893,7 +7677,7 @@
           <p:nvPr/>
         </p:nvPicPr>
         <p:blipFill>
-          <a:blip r:embed="rId1"/>
+          <a:blip r:embed="rId2"/>
           <a:stretch>
             <a:fillRect/>
           </a:stretch>
@@ -7928,6 +7712,7 @@
           <a:bodyPr wrap="square" rtlCol="0">
             <a:spAutoFit/>
           </a:bodyPr>
+          <a:lstStyle/>
           <a:p>
             <a:pPr indent="0" fontAlgn="auto">
               <a:lnSpc>
@@ -7938,7 +7723,6 @@
               <a:rPr lang="zh-CN" altLang="en-US" sz="2400" b="1"/>
               <a:t>数据库最终模型的确定：</a:t>
             </a:r>
-            <a:endParaRPr lang="zh-CN" altLang="en-US" sz="2400" b="1"/>
           </a:p>
           <a:p>
             <a:pPr marL="457200" lvl="1" indent="0" fontAlgn="auto">
@@ -7957,13 +7741,6 @@
               </a:rPr>
               <a:t>前后端进行沟通协商，统一思想，确定所需要的实体以及每个实体的具体字段，实体之间的具体关系等。对数据库结构进行最终的论证，确保该结构能够适用于未来的开发。</a:t>
             </a:r>
-            <a:endParaRPr lang="zh-CN" altLang="en-US" sz="2400">
-              <a:solidFill>
-                <a:schemeClr val="tx1"/>
-              </a:solidFill>
-              <a:latin typeface="华文楷体" panose="02010600040101010101" charset="-122"/>
-              <a:ea typeface="华文楷体" panose="02010600040101010101" charset="-122"/>
-            </a:endParaRPr>
           </a:p>
         </p:txBody>
       </p:sp>
@@ -8135,20 +7912,6 @@
                 </a:rPr>
                 <a:t>编程</a:t>
               </a:r>
-              <a:endParaRPr kumimoji="0" lang="zh-CN" altLang="en-US" sz="3200" b="1" i="0" u="none" strike="noStrike" kern="0" cap="none" spc="0" normalizeH="0" baseline="0" noProof="0" dirty="0">
-                <a:ln>
-                  <a:noFill/>
-                </a:ln>
-                <a:solidFill>
-                  <a:prstClr val="white"/>
-                </a:solidFill>
-                <a:effectLst/>
-                <a:uLnTx/>
-                <a:uFillTx/>
-                <a:latin typeface="Verdana" panose="020B0604030504040204"/>
-                <a:ea typeface="微软雅黑" panose="020B0503020204020204" pitchFamily="34" charset="-122"/>
-                <a:cs typeface="+mn-cs"/>
-              </a:endParaRPr>
             </a:p>
           </p:txBody>
         </p:sp>
@@ -8395,13 +8158,6 @@
               </a:rPr>
               <a:t>  编程实践</a:t>
             </a:r>
-            <a:endParaRPr kumimoji="1" lang="zh-CN" altLang="en-US" sz="3200" b="1" dirty="0">
-              <a:solidFill>
-                <a:schemeClr val="tx2"/>
-              </a:solidFill>
-              <a:latin typeface="微软雅黑" panose="020B0503020204020204" pitchFamily="34" charset="-122"/>
-              <a:ea typeface="微软雅黑" panose="020B0503020204020204" pitchFamily="34" charset="-122"/>
-            </a:endParaRPr>
           </a:p>
         </p:txBody>
       </p:sp>
@@ -8414,7 +8170,7 @@
           <p:nvPr/>
         </p:nvPicPr>
         <p:blipFill>
-          <a:blip r:embed="rId1"/>
+          <a:blip r:embed="rId2"/>
           <a:stretch>
             <a:fillRect/>
           </a:stretch>
@@ -8449,6 +8205,7 @@
           <a:bodyPr wrap="square" rtlCol="0">
             <a:spAutoFit/>
           </a:bodyPr>
+          <a:lstStyle/>
           <a:p>
             <a:pPr indent="0" fontAlgn="auto">
               <a:lnSpc>
@@ -8462,10 +8219,6 @@
               </a:rPr>
               <a:t>先分析、后编程</a:t>
             </a:r>
-            <a:endParaRPr lang="zh-CN" altLang="en-US" sz="2400" b="1">
-              <a:latin typeface="微软雅黑" panose="020B0503020204020204" pitchFamily="34" charset="-122"/>
-              <a:ea typeface="微软雅黑" panose="020B0503020204020204" pitchFamily="34" charset="-122"/>
-            </a:endParaRPr>
           </a:p>
           <a:p>
             <a:pPr indent="0" fontAlgn="auto">
@@ -8543,14 +8296,6 @@
               </a:rPr>
               <a:t>企业真实性验证以及编辑信息功能，该部分为下周必完成任务。</a:t>
             </a:r>
-            <a:endParaRPr lang="zh-CN" altLang="en-US" sz="2400">
-              <a:solidFill>
-                <a:schemeClr val="tx1"/>
-              </a:solidFill>
-              <a:latin typeface="华文楷体" panose="02010600040101010101" charset="-122"/>
-              <a:ea typeface="华文楷体" panose="02010600040101010101" charset="-122"/>
-              <a:cs typeface="华文楷体" panose="02010600040101010101" charset="-122"/>
-            </a:endParaRPr>
           </a:p>
           <a:p>
             <a:pPr indent="0" fontAlgn="auto">
@@ -8574,11 +8319,6 @@
               </a:rPr>
               <a:t>按照周报进行后续开发</a:t>
             </a:r>
-            <a:endParaRPr lang="zh-CN" altLang="en-US" sz="2400" b="1">
-              <a:latin typeface="华文楷体" panose="02010600040101010101" charset="-122"/>
-              <a:ea typeface="华文楷体" panose="02010600040101010101" charset="-122"/>
-              <a:cs typeface="华文楷体" panose="02010600040101010101" charset="-122"/>
-            </a:endParaRPr>
           </a:p>
           <a:p>
             <a:pPr marL="457200" lvl="1" indent="0" fontAlgn="auto">
@@ -8609,14 +8349,6 @@
               </a:rPr>
               <a:t>）用户端需求平台的初步实现</a:t>
             </a:r>
-            <a:endParaRPr lang="zh-CN" altLang="en-US" sz="2400">
-              <a:solidFill>
-                <a:schemeClr val="tx1"/>
-              </a:solidFill>
-              <a:latin typeface="华文楷体" panose="02010600040101010101" charset="-122"/>
-              <a:ea typeface="华文楷体" panose="02010600040101010101" charset="-122"/>
-              <a:cs typeface="华文楷体" panose="02010600040101010101" charset="-122"/>
-            </a:endParaRPr>
           </a:p>
           <a:p>
             <a:pPr marL="457200" lvl="1" indent="0" fontAlgn="auto">
@@ -8647,14 +8379,6 @@
               </a:rPr>
               <a:t>）用户端企业专家在线聊天窗口实现</a:t>
             </a:r>
-            <a:endParaRPr lang="zh-CN" altLang="en-US" sz="2400">
-              <a:solidFill>
-                <a:schemeClr val="tx1"/>
-              </a:solidFill>
-              <a:latin typeface="华文楷体" panose="02010600040101010101" charset="-122"/>
-              <a:ea typeface="华文楷体" panose="02010600040101010101" charset="-122"/>
-              <a:cs typeface="华文楷体" panose="02010600040101010101" charset="-122"/>
-            </a:endParaRPr>
           </a:p>
           <a:p>
             <a:pPr lvl="1" indent="0" fontAlgn="auto">
@@ -8997,7 +8721,7 @@
           <p:nvPr/>
         </p:nvPicPr>
         <p:blipFill>
-          <a:blip r:embed="rId1"/>
+          <a:blip r:embed="rId2"/>
           <a:stretch>
             <a:fillRect/>
           </a:stretch>
@@ -9021,7 +8745,7 @@
           <p:nvPr/>
         </p:nvPicPr>
         <p:blipFill>
-          <a:blip r:embed="rId2"/>
+          <a:blip r:embed="rId3"/>
           <a:stretch>
             <a:fillRect/>
           </a:stretch>
@@ -9140,6 +8864,7 @@
         </p:style>
         <p:txBody>
           <a:bodyPr rtlCol="0" anchor="ctr"/>
+          <a:lstStyle/>
           <a:p>
             <a:pPr algn="ctr"/>
             <a:endParaRPr lang="zh-CN" altLang="en-US"/>
@@ -9179,6 +8904,7 @@
         </p:style>
         <p:txBody>
           <a:bodyPr rtlCol="0" anchor="ctr"/>
+          <a:lstStyle/>
           <a:p>
             <a:pPr algn="ctr"/>
             <a:endParaRPr lang="zh-CN" altLang="en-US"/>
@@ -9205,6 +8931,7 @@
           <a:bodyPr wrap="square" rtlCol="0">
             <a:spAutoFit/>
           </a:bodyPr>
+          <a:lstStyle/>
           <a:p>
             <a:r>
               <a:rPr lang="zh-CN" altLang="en-US"/>
@@ -9214,7 +8941,6 @@
               <a:rPr lang="en-US" altLang="zh-CN"/>
               <a:t>4-12</a:t>
             </a:r>
-            <a:endParaRPr lang="en-US" altLang="zh-CN"/>
           </a:p>
         </p:txBody>
       </p:sp>
@@ -9238,6 +8964,7 @@
           <a:bodyPr wrap="square" rtlCol="0">
             <a:spAutoFit/>
           </a:bodyPr>
+          <a:lstStyle/>
           <a:p>
             <a:r>
               <a:rPr lang="zh-CN" altLang="en-US"/>
@@ -9597,7 +9324,7 @@
           <p:nvPr/>
         </p:nvPicPr>
         <p:blipFill>
-          <a:blip r:embed="rId1"/>
+          <a:blip r:embed="rId2"/>
           <a:stretch>
             <a:fillRect/>
           </a:stretch>
@@ -9621,7 +9348,7 @@
           <p:nvPr/>
         </p:nvPicPr>
         <p:blipFill>
-          <a:blip r:embed="rId2"/>
+          <a:blip r:embed="rId3"/>
           <a:stretch>
             <a:fillRect/>
           </a:stretch>
@@ -9832,20 +9559,6 @@
               </a:rPr>
               <a:t>前两周工作汇报</a:t>
             </a:r>
-            <a:endParaRPr kumimoji="0" lang="zh-CN" altLang="en-US" sz="2800" b="1" i="0" u="none" strike="noStrike" kern="1200" cap="none" spc="0" normalizeH="0" baseline="0" noProof="0" dirty="0">
-              <a:ln>
-                <a:noFill/>
-              </a:ln>
-              <a:solidFill>
-                <a:prstClr val="white"/>
-              </a:solidFill>
-              <a:effectLst/>
-              <a:uLnTx/>
-              <a:uFillTx/>
-              <a:latin typeface="微软雅黑" panose="020B0503020204020204" pitchFamily="34" charset="-122"/>
-              <a:ea typeface="微软雅黑" panose="020B0503020204020204" pitchFamily="34" charset="-122"/>
-              <a:cs typeface="Aharoni" panose="02010803020104030203" pitchFamily="2" charset="-79"/>
-            </a:endParaRPr>
           </a:p>
         </p:txBody>
       </p:sp>
@@ -10096,11 +9809,6 @@
               </a:rPr>
               <a:t>目录</a:t>
             </a:r>
-            <a:endParaRPr lang="zh-CN" altLang="en-US" sz="4400" b="1" dirty="0">
-              <a:latin typeface="微软雅黑" panose="020B0503020204020204" pitchFamily="34" charset="-122"/>
-              <a:ea typeface="微软雅黑" panose="020B0503020204020204" pitchFamily="34" charset="-122"/>
-              <a:cs typeface="Yuppy SC" panose="020F0603040207020204" pitchFamily="34" charset="-122"/>
-            </a:endParaRPr>
           </a:p>
         </p:txBody>
       </p:sp>
@@ -10882,39 +10590,8 @@
                 <a:ea typeface="微软雅黑" panose="020B0503020204020204" pitchFamily="34" charset="-122"/>
                 <a:cs typeface="Aharoni" panose="02010803020104030203" pitchFamily="2" charset="-79"/>
               </a:rPr>
-              <a:t>后续</a:t>
-            </a:r>
-            <a:r>
-              <a:rPr kumimoji="0" lang="zh-CN" altLang="en-US" sz="2800" b="1" i="0" u="none" strike="noStrike" kern="1200" cap="none" spc="0" normalizeH="0" baseline="0" noProof="0" dirty="0">
-                <a:ln>
-                  <a:noFill/>
-                </a:ln>
-                <a:solidFill>
-                  <a:prstClr val="white"/>
-                </a:solidFill>
-                <a:effectLst/>
-                <a:uLnTx/>
-                <a:uFillTx/>
-                <a:latin typeface="微软雅黑" panose="020B0503020204020204" pitchFamily="34" charset="-122"/>
-                <a:ea typeface="微软雅黑" panose="020B0503020204020204" pitchFamily="34" charset="-122"/>
-                <a:cs typeface="Aharoni" panose="02010803020104030203" pitchFamily="2" charset="-79"/>
-              </a:rPr>
-              <a:t>计划</a:t>
-            </a:r>
-            <a:endParaRPr kumimoji="0" lang="zh-CN" altLang="en-US" sz="2800" b="1" i="0" u="none" strike="noStrike" kern="1200" cap="none" spc="0" normalizeH="0" baseline="0" noProof="0" dirty="0">
-              <a:ln>
-                <a:noFill/>
-              </a:ln>
-              <a:solidFill>
-                <a:prstClr val="white"/>
-              </a:solidFill>
-              <a:effectLst/>
-              <a:uLnTx/>
-              <a:uFillTx/>
-              <a:latin typeface="微软雅黑" panose="020B0503020204020204" pitchFamily="34" charset="-122"/>
-              <a:ea typeface="微软雅黑" panose="020B0503020204020204" pitchFamily="34" charset="-122"/>
-              <a:cs typeface="Aharoni" panose="02010803020104030203" pitchFamily="2" charset="-79"/>
-            </a:endParaRPr>
+              <a:t>后续计划</a:t>
+            </a:r>
           </a:p>
         </p:txBody>
       </p:sp>
@@ -10931,7 +10608,7 @@
           </p:nvPr>
         </p:nvPicPr>
         <p:blipFill>
-          <a:blip r:embed="rId2"/>
+          <a:blip r:embed="rId3"/>
           <a:stretch>
             <a:fillRect/>
           </a:stretch>
@@ -11008,11 +10685,6 @@
               </a:rPr>
               <a:t>前两周工作</a:t>
             </a:r>
-            <a:endParaRPr lang="zh-CN" altLang="en-US" sz="6000" b="1" dirty="0">
-              <a:latin typeface="微软雅黑" panose="020B0503020204020204" pitchFamily="34" charset="-122"/>
-              <a:ea typeface="微软雅黑" panose="020B0503020204020204" pitchFamily="34" charset="-122"/>
-              <a:cs typeface="Yuppy SC" panose="020F0603040207020204" pitchFamily="34" charset="-122"/>
-            </a:endParaRPr>
           </a:p>
         </p:txBody>
       </p:sp>
@@ -11025,7 +10697,7 @@
           <p:nvPr/>
         </p:nvPicPr>
         <p:blipFill>
-          <a:blip r:embed="rId1"/>
+          <a:blip r:embed="rId2"/>
           <a:stretch>
             <a:fillRect/>
           </a:stretch>
@@ -11881,7 +11553,7 @@
           <p:nvPr/>
         </p:nvPicPr>
         <p:blipFill>
-          <a:blip r:embed="rId2"/>
+          <a:blip r:embed="rId3"/>
           <a:stretch>
             <a:fillRect/>
           </a:stretch>
@@ -12064,20 +11736,6 @@
                 </a:rPr>
                 <a:t>需求完善</a:t>
               </a:r>
-              <a:endParaRPr kumimoji="0" lang="zh-CN" altLang="en-US" sz="3200" b="1" i="0" u="none" strike="noStrike" kern="0" cap="none" spc="0" normalizeH="0" baseline="0" noProof="0" dirty="0">
-                <a:ln>
-                  <a:noFill/>
-                </a:ln>
-                <a:solidFill>
-                  <a:prstClr val="white"/>
-                </a:solidFill>
-                <a:effectLst/>
-                <a:uLnTx/>
-                <a:uFillTx/>
-                <a:latin typeface="Verdana" panose="020B0604030504040204"/>
-                <a:ea typeface="微软雅黑" panose="020B0503020204020204" pitchFamily="34" charset="-122"/>
-                <a:cs typeface="+mn-cs"/>
-              </a:endParaRPr>
             </a:p>
           </p:txBody>
         </p:sp>
@@ -12324,13 +11982,6 @@
               </a:rPr>
               <a:t>  需求文档完善</a:t>
             </a:r>
-            <a:endParaRPr kumimoji="1" lang="zh-CN" altLang="en-US" sz="3200" b="1" dirty="0">
-              <a:solidFill>
-                <a:schemeClr val="tx2"/>
-              </a:solidFill>
-              <a:latin typeface="微软雅黑" panose="020B0503020204020204" pitchFamily="34" charset="-122"/>
-              <a:ea typeface="微软雅黑" panose="020B0503020204020204" pitchFamily="34" charset="-122"/>
-            </a:endParaRPr>
           </a:p>
         </p:txBody>
       </p:sp>
@@ -12343,7 +11994,7 @@
           <p:nvPr/>
         </p:nvPicPr>
         <p:blipFill>
-          <a:blip r:embed="rId1"/>
+          <a:blip r:embed="rId2"/>
           <a:stretch>
             <a:fillRect/>
           </a:stretch>
@@ -12403,11 +12054,6 @@
               </a:rPr>
               <a:t>详细描述了需求平台的内容</a:t>
             </a:r>
-            <a:endParaRPr lang="zh-CN" altLang="en-US" sz="2400" b="1">
-              <a:latin typeface="+mn-ea"/>
-              <a:cs typeface="华光楷体一_CNKI" panose="02000500000000000000" charset="-122"/>
-              <a:sym typeface="+mn-ea"/>
-            </a:endParaRPr>
           </a:p>
           <a:p>
             <a:pPr marL="457200" lvl="1" indent="0" fontAlgn="auto">
@@ -12429,15 +12075,6 @@
               </a:rPr>
               <a:t>将需求平台单独作为一个模块，分专家端和企业端进行详细说明。</a:t>
             </a:r>
-            <a:endParaRPr lang="zh-CN" altLang="en-US" sz="2400">
-              <a:solidFill>
-                <a:schemeClr val="tx1"/>
-              </a:solidFill>
-              <a:latin typeface="+mn-ea"/>
-              <a:ea typeface="华文楷体" panose="02010600040101010101" charset="-122"/>
-              <a:cs typeface="华光楷体一_CNKI" panose="02000500000000000000" charset="-122"/>
-              <a:sym typeface="+mn-ea"/>
-            </a:endParaRPr>
           </a:p>
           <a:p>
             <a:pPr indent="0" fontAlgn="auto">
@@ -12471,15 +12108,6 @@
               </a:rPr>
               <a:t>详细描述了管理端的内容</a:t>
             </a:r>
-            <a:endParaRPr lang="zh-CN" altLang="en-US" sz="2400" b="1">
-              <a:solidFill>
-                <a:schemeClr val="tx1"/>
-              </a:solidFill>
-              <a:latin typeface="微软雅黑" panose="020B0503020204020204" pitchFamily="34" charset="-122"/>
-              <a:ea typeface="微软雅黑" panose="020B0503020204020204" pitchFamily="34" charset="-122"/>
-              <a:cs typeface="华光楷体一_CNKI" panose="02000500000000000000" charset="-122"/>
-              <a:sym typeface="+mn-ea"/>
-            </a:endParaRPr>
           </a:p>
           <a:p>
             <a:pPr marL="457200" lvl="1" indent="0" fontAlgn="auto">
@@ -12501,15 +12129,6 @@
               </a:rPr>
               <a:t>将管理端新增功能进行详细的说明。</a:t>
             </a:r>
-            <a:endParaRPr lang="zh-CN" altLang="en-US" sz="2400">
-              <a:solidFill>
-                <a:schemeClr val="tx1"/>
-              </a:solidFill>
-              <a:latin typeface="+mn-ea"/>
-              <a:ea typeface="华文楷体" panose="02010600040101010101" charset="-122"/>
-              <a:cs typeface="华光楷体一_CNKI" panose="02000500000000000000" charset="-122"/>
-              <a:sym typeface="+mn-ea"/>
-            </a:endParaRPr>
           </a:p>
           <a:p>
             <a:pPr indent="0" fontAlgn="auto">
@@ -12543,15 +12162,6 @@
               </a:rPr>
               <a:t>完善了数据约束等模块的内容</a:t>
             </a:r>
-            <a:endParaRPr lang="zh-CN" altLang="en-US" sz="2400" b="1">
-              <a:solidFill>
-                <a:schemeClr val="tx1"/>
-              </a:solidFill>
-              <a:latin typeface="微软雅黑" panose="020B0503020204020204" pitchFamily="34" charset="-122"/>
-              <a:ea typeface="微软雅黑" panose="020B0503020204020204" pitchFamily="34" charset="-122"/>
-              <a:cs typeface="华光楷体一_CNKI" panose="02000500000000000000" charset="-122"/>
-              <a:sym typeface="+mn-ea"/>
-            </a:endParaRPr>
           </a:p>
           <a:p>
             <a:pPr marL="457200" lvl="1" indent="0" fontAlgn="auto">
@@ -12594,7 +12204,7 @@
           <p:nvPr/>
         </p:nvPicPr>
         <p:blipFill>
-          <a:blip r:embed="rId2"/>
+          <a:blip r:embed="rId3"/>
           <a:stretch>
             <a:fillRect/>
           </a:stretch>
@@ -12777,20 +12387,6 @@
                 </a:rPr>
                 <a:t>跑通代码</a:t>
               </a:r>
-              <a:endParaRPr kumimoji="0" lang="zh-CN" altLang="en-US" sz="3200" b="1" i="0" u="none" strike="noStrike" kern="0" cap="none" spc="0" normalizeH="0" baseline="0" noProof="0" dirty="0">
-                <a:ln>
-                  <a:noFill/>
-                </a:ln>
-                <a:solidFill>
-                  <a:prstClr val="white"/>
-                </a:solidFill>
-                <a:effectLst/>
-                <a:uLnTx/>
-                <a:uFillTx/>
-                <a:latin typeface="Verdana" panose="020B0604030504040204"/>
-                <a:ea typeface="微软雅黑" panose="020B0503020204020204" pitchFamily="34" charset="-122"/>
-                <a:cs typeface="+mn-cs"/>
-              </a:endParaRPr>
             </a:p>
           </p:txBody>
         </p:sp>
@@ -13037,13 +12633,6 @@
               </a:rPr>
               <a:t>  代码分析</a:t>
             </a:r>
-            <a:endParaRPr kumimoji="1" lang="zh-CN" altLang="en-US" sz="3200" b="1" dirty="0">
-              <a:solidFill>
-                <a:schemeClr val="tx2"/>
-              </a:solidFill>
-              <a:latin typeface="微软雅黑" panose="020B0503020204020204" pitchFamily="34" charset="-122"/>
-              <a:ea typeface="微软雅黑" panose="020B0503020204020204" pitchFamily="34" charset="-122"/>
-            </a:endParaRPr>
           </a:p>
         </p:txBody>
       </p:sp>
@@ -13056,7 +12645,7 @@
           <p:nvPr/>
         </p:nvPicPr>
         <p:blipFill>
-          <a:blip r:embed="rId1"/>
+          <a:blip r:embed="rId2"/>
           <a:stretch>
             <a:fillRect/>
           </a:stretch>
@@ -13116,11 +12705,6 @@
               </a:rPr>
               <a:t>前后端分别研读代码，并本地跑通所负责的代码</a:t>
             </a:r>
-            <a:endParaRPr lang="zh-CN" altLang="en-US" sz="2400" b="1">
-              <a:latin typeface="+mn-ea"/>
-              <a:cs typeface="华光楷体一_CNKI" panose="02000500000000000000" charset="-122"/>
-              <a:sym typeface="+mn-ea"/>
-            </a:endParaRPr>
           </a:p>
           <a:p>
             <a:pPr marL="457200" lvl="1" indent="0" fontAlgn="auto">
@@ -13152,14 +12736,6 @@
               </a:rPr>
               <a:t>）前后端小组分工合作调试代码</a:t>
             </a:r>
-            <a:endParaRPr lang="zh-CN" altLang="en-US" sz="2400" b="1">
-              <a:solidFill>
-                <a:schemeClr val="tx1"/>
-              </a:solidFill>
-              <a:latin typeface="华文楷体" panose="02010600040101010101" charset="-122"/>
-              <a:ea typeface="华文楷体" panose="02010600040101010101" charset="-122"/>
-              <a:cs typeface="华文楷体" panose="02010600040101010101" charset="-122"/>
-            </a:endParaRPr>
           </a:p>
           <a:p>
             <a:pPr marL="457200" lvl="1" indent="0" fontAlgn="auto">
@@ -13257,14 +12833,6 @@
               </a:rPr>
               <a:t>端</a:t>
             </a:r>
-            <a:endParaRPr lang="zh-CN" altLang="en-US" sz="2400">
-              <a:solidFill>
-                <a:schemeClr val="tx1"/>
-              </a:solidFill>
-              <a:latin typeface="华文楷体" panose="02010600040101010101" charset="-122"/>
-              <a:ea typeface="华文楷体" panose="02010600040101010101" charset="-122"/>
-              <a:cs typeface="华文楷体" panose="02010600040101010101" charset="-122"/>
-            </a:endParaRPr>
           </a:p>
           <a:p>
             <a:pPr marL="457200" lvl="1" indent="0" fontAlgn="auto">
@@ -13318,14 +12886,6 @@
               </a:rPr>
               <a:t>端</a:t>
             </a:r>
-            <a:endParaRPr lang="zh-CN" altLang="en-US" sz="2400">
-              <a:solidFill>
-                <a:schemeClr val="tx1"/>
-              </a:solidFill>
-              <a:latin typeface="华文楷体" panose="02010600040101010101" charset="-122"/>
-              <a:ea typeface="华文楷体" panose="02010600040101010101" charset="-122"/>
-              <a:cs typeface="华文楷体" panose="02010600040101010101" charset="-122"/>
-            </a:endParaRPr>
           </a:p>
           <a:p>
             <a:pPr marL="457200" lvl="1" indent="0" fontAlgn="auto">
@@ -13357,14 +12917,6 @@
               </a:rPr>
               <a:t>）小组内部书写《代码运行事项》文档</a:t>
             </a:r>
-            <a:endParaRPr lang="zh-CN" altLang="en-US" sz="2400" b="1">
-              <a:solidFill>
-                <a:schemeClr val="tx1"/>
-              </a:solidFill>
-              <a:latin typeface="华文楷体" panose="02010600040101010101" charset="-122"/>
-              <a:ea typeface="华文楷体" panose="02010600040101010101" charset="-122"/>
-              <a:cs typeface="华文楷体" panose="02010600040101010101" charset="-122"/>
-            </a:endParaRPr>
           </a:p>
           <a:p>
             <a:pPr marL="457200" lvl="1" indent="0" fontAlgn="auto">
@@ -13396,14 +12948,6 @@
               </a:rPr>
               <a:t>跑通代码的人在该文档书写自己的经验，方便其他未跑通的人快速跟上跟上进度</a:t>
             </a:r>
-            <a:endParaRPr lang="zh-CN" altLang="en-US" sz="2400">
-              <a:solidFill>
-                <a:schemeClr val="tx1"/>
-              </a:solidFill>
-              <a:latin typeface="华文楷体" panose="02010600040101010101" charset="-122"/>
-              <a:ea typeface="华文楷体" panose="02010600040101010101" charset="-122"/>
-              <a:cs typeface="华文楷体" panose="02010600040101010101" charset="-122"/>
-            </a:endParaRPr>
           </a:p>
         </p:txBody>
       </p:sp>
@@ -13416,7 +12960,7 @@
           <p:nvPr/>
         </p:nvPicPr>
         <p:blipFill>
-          <a:blip r:embed="rId2"/>
+          <a:blip r:embed="rId3"/>
           <a:stretch>
             <a:fillRect/>
           </a:stretch>
@@ -13599,20 +13143,6 @@
                 </a:rPr>
                 <a:t>跑通代码</a:t>
               </a:r>
-              <a:endParaRPr kumimoji="0" lang="zh-CN" altLang="en-US" sz="3200" b="1" i="0" u="none" strike="noStrike" kern="0" cap="none" spc="0" normalizeH="0" baseline="0" noProof="0" dirty="0">
-                <a:ln>
-                  <a:noFill/>
-                </a:ln>
-                <a:solidFill>
-                  <a:prstClr val="white"/>
-                </a:solidFill>
-                <a:effectLst/>
-                <a:uLnTx/>
-                <a:uFillTx/>
-                <a:latin typeface="Verdana" panose="020B0604030504040204"/>
-                <a:ea typeface="微软雅黑" panose="020B0503020204020204" pitchFamily="34" charset="-122"/>
-                <a:cs typeface="+mn-cs"/>
-              </a:endParaRPr>
             </a:p>
           </p:txBody>
         </p:sp>
@@ -13859,13 +13389,6 @@
               </a:rPr>
               <a:t>  代码分析</a:t>
             </a:r>
-            <a:endParaRPr kumimoji="1" lang="zh-CN" altLang="en-US" sz="3200" b="1" dirty="0">
-              <a:solidFill>
-                <a:schemeClr val="tx2"/>
-              </a:solidFill>
-              <a:latin typeface="微软雅黑" panose="020B0503020204020204" pitchFamily="34" charset="-122"/>
-              <a:ea typeface="微软雅黑" panose="020B0503020204020204" pitchFamily="34" charset="-122"/>
-            </a:endParaRPr>
           </a:p>
         </p:txBody>
       </p:sp>
@@ -13918,13 +13441,6 @@
               </a:rPr>
               <a:t>前后端分别研读代码，并本地跑通所负责的代码</a:t>
             </a:r>
-            <a:endParaRPr lang="zh-CN" altLang="en-US" sz="2400" b="1">
-              <a:solidFill>
-                <a:schemeClr val="tx1"/>
-              </a:solidFill>
-              <a:latin typeface="+mn-ea"/>
-              <a:cs typeface="华光楷体一_CNKI" panose="02000500000000000000" charset="-122"/>
-            </a:endParaRPr>
           </a:p>
           <a:p>
             <a:pPr indent="0" fontAlgn="auto">
@@ -13960,13 +13476,6 @@
               </a:rPr>
               <a:t>   </a:t>
             </a:r>
-            <a:endParaRPr lang="zh-CN" altLang="en-US" sz="2400" b="1">
-              <a:solidFill>
-                <a:schemeClr val="tx1"/>
-              </a:solidFill>
-              <a:latin typeface="+mn-ea"/>
-              <a:cs typeface="华光楷体一_CNKI" panose="02000500000000000000" charset="-122"/>
-            </a:endParaRPr>
           </a:p>
           <a:p>
             <a:pPr indent="0" fontAlgn="auto">
@@ -14011,7 +13520,7 @@
           <p:nvPr/>
         </p:nvPicPr>
         <p:blipFill>
-          <a:blip r:embed="rId1"/>
+          <a:blip r:embed="rId2"/>
           <a:stretch>
             <a:fillRect/>
           </a:stretch>
@@ -14035,7 +13544,7 @@
           <p:nvPr/>
         </p:nvPicPr>
         <p:blipFill>
-          <a:blip r:embed="rId2"/>
+          <a:blip r:embed="rId3"/>
           <a:stretch>
             <a:fillRect/>
           </a:stretch>
@@ -14070,6 +13579,7 @@
           <a:bodyPr wrap="none" rtlCol="0">
             <a:spAutoFit/>
           </a:bodyPr>
+          <a:lstStyle/>
           <a:p>
             <a:r>
               <a:rPr lang="en-US" altLang="zh-CN"/>
@@ -14079,7 +13589,6 @@
               <a:rPr lang="zh-CN" altLang="en-US"/>
               <a:t>端</a:t>
             </a:r>
-            <a:endParaRPr lang="zh-CN" altLang="en-US"/>
           </a:p>
         </p:txBody>
       </p:sp>
@@ -14092,7 +13601,7 @@
           <p:nvPr/>
         </p:nvPicPr>
         <p:blipFill>
-          <a:blip r:embed="rId3"/>
+          <a:blip r:embed="rId4"/>
           <a:stretch>
             <a:fillRect/>
           </a:stretch>
@@ -14127,12 +13636,12 @@
           <a:bodyPr wrap="none" rtlCol="0">
             <a:spAutoFit/>
           </a:bodyPr>
+          <a:lstStyle/>
           <a:p>
             <a:r>
               <a:rPr lang="zh-CN" altLang="en-US"/>
               <a:t>管理端</a:t>
             </a:r>
-            <a:endParaRPr lang="zh-CN" altLang="en-US"/>
           </a:p>
         </p:txBody>
       </p:sp>
@@ -14156,6 +13665,7 @@
           <a:bodyPr wrap="none" rtlCol="0">
             <a:spAutoFit/>
           </a:bodyPr>
+          <a:lstStyle/>
           <a:p>
             <a:r>
               <a:rPr lang="en-US" altLang="zh-CN"/>
@@ -14165,7 +13675,6 @@
               <a:rPr lang="zh-CN" altLang="en-US"/>
               <a:t>端</a:t>
             </a:r>
-            <a:endParaRPr lang="zh-CN" altLang="en-US"/>
           </a:p>
         </p:txBody>
       </p:sp>
@@ -14178,7 +13687,7 @@
           <p:nvPr/>
         </p:nvPicPr>
         <p:blipFill>
-          <a:blip r:embed="rId4"/>
+          <a:blip r:embed="rId5"/>
           <a:stretch>
             <a:fillRect/>
           </a:stretch>
@@ -14361,20 +13870,6 @@
                 </a:rPr>
                 <a:t>跑通代码</a:t>
               </a:r>
-              <a:endParaRPr kumimoji="0" lang="zh-CN" altLang="en-US" sz="3200" b="1" i="0" u="none" strike="noStrike" kern="0" cap="none" spc="0" normalizeH="0" baseline="0" noProof="0" dirty="0">
-                <a:ln>
-                  <a:noFill/>
-                </a:ln>
-                <a:solidFill>
-                  <a:prstClr val="white"/>
-                </a:solidFill>
-                <a:effectLst/>
-                <a:uLnTx/>
-                <a:uFillTx/>
-                <a:latin typeface="Verdana" panose="020B0604030504040204"/>
-                <a:ea typeface="微软雅黑" panose="020B0503020204020204" pitchFamily="34" charset="-122"/>
-                <a:cs typeface="+mn-cs"/>
-              </a:endParaRPr>
             </a:p>
           </p:txBody>
         </p:sp>
@@ -14621,13 +14116,6 @@
               </a:rPr>
               <a:t>  代码分析</a:t>
             </a:r>
-            <a:endParaRPr kumimoji="1" lang="zh-CN" altLang="en-US" sz="3200" b="1" dirty="0">
-              <a:solidFill>
-                <a:schemeClr val="tx2"/>
-              </a:solidFill>
-              <a:latin typeface="微软雅黑" panose="020B0503020204020204" pitchFamily="34" charset="-122"/>
-              <a:ea typeface="微软雅黑" panose="020B0503020204020204" pitchFamily="34" charset="-122"/>
-            </a:endParaRPr>
           </a:p>
         </p:txBody>
       </p:sp>
@@ -14640,7 +14128,7 @@
           <p:nvPr/>
         </p:nvPicPr>
         <p:blipFill>
-          <a:blip r:embed="rId1"/>
+          <a:blip r:embed="rId2"/>
           <a:stretch>
             <a:fillRect/>
           </a:stretch>
@@ -14692,11 +14180,6 @@
               </a:rPr>
               <a:t>前后端对接</a:t>
             </a:r>
-            <a:endParaRPr lang="zh-CN" altLang="en-US" sz="2400" b="1">
-              <a:effectLst/>
-              <a:latin typeface="+mn-ea"/>
-              <a:sym typeface="+mn-ea"/>
-            </a:endParaRPr>
           </a:p>
           <a:p>
             <a:pPr indent="0" fontAlgn="auto">
@@ -14726,13 +14209,6 @@
               </a:rPr>
               <a:t>分小组进行对接</a:t>
             </a:r>
-            <a:endParaRPr lang="zh-CN" altLang="en-US" sz="2400" b="1">
-              <a:effectLst/>
-              <a:latin typeface="华文楷体" panose="02010600040101010101" charset="-122"/>
-              <a:ea typeface="华文楷体" panose="02010600040101010101" charset="-122"/>
-              <a:cs typeface="华文楷体" panose="02010600040101010101" charset="-122"/>
-              <a:sym typeface="+mn-ea"/>
-            </a:endParaRPr>
           </a:p>
           <a:p>
             <a:pPr marL="457200" lvl="1" indent="0" fontAlgn="auto">
@@ -14755,16 +14231,6 @@
               </a:rPr>
               <a:t>采用前后端小组单人组队的方式，分三个小组同时进行对接。使每个人都对代码的整体的情况更加了解，方便后续开发沟通。</a:t>
             </a:r>
-            <a:endParaRPr lang="zh-CN" altLang="en-US" sz="2400">
-              <a:solidFill>
-                <a:schemeClr val="tx1"/>
-              </a:solidFill>
-              <a:effectLst/>
-              <a:latin typeface="华文楷体" panose="02010600040101010101" charset="-122"/>
-              <a:ea typeface="华文楷体" panose="02010600040101010101" charset="-122"/>
-              <a:cs typeface="华文楷体" panose="02010600040101010101" charset="-122"/>
-              <a:sym typeface="+mn-ea"/>
-            </a:endParaRPr>
           </a:p>
           <a:p>
             <a:pPr indent="0" fontAlgn="auto">
@@ -14794,13 +14260,6 @@
               </a:rPr>
               <a:t>组内统一代码</a:t>
             </a:r>
-            <a:endParaRPr lang="zh-CN" altLang="en-US" sz="2400" b="1">
-              <a:effectLst/>
-              <a:latin typeface="华文楷体" panose="02010600040101010101" charset="-122"/>
-              <a:ea typeface="华文楷体" panose="02010600040101010101" charset="-122"/>
-              <a:cs typeface="华文楷体" panose="02010600040101010101" charset="-122"/>
-              <a:sym typeface="+mn-ea"/>
-            </a:endParaRPr>
           </a:p>
           <a:p>
             <a:pPr marL="457200" lvl="1" indent="0" fontAlgn="auto">
@@ -14849,16 +14308,6 @@
               </a:rPr>
               <a:t>进行组内统一。</a:t>
             </a:r>
-            <a:endParaRPr lang="zh-CN" altLang="en-US" sz="2400">
-              <a:solidFill>
-                <a:schemeClr val="tx1"/>
-              </a:solidFill>
-              <a:effectLst/>
-              <a:latin typeface="华文楷体" panose="02010600040101010101" charset="-122"/>
-              <a:ea typeface="华文楷体" panose="02010600040101010101" charset="-122"/>
-              <a:cs typeface="华文楷体" panose="02010600040101010101" charset="-122"/>
-              <a:sym typeface="+mn-ea"/>
-            </a:endParaRPr>
           </a:p>
         </p:txBody>
       </p:sp>
@@ -14871,7 +14320,7 @@
           <p:nvPr/>
         </p:nvPicPr>
         <p:blipFill>
-          <a:blip r:embed="rId2"/>
+          <a:blip r:embed="rId3"/>
           <a:stretch>
             <a:fillRect/>
           </a:stretch>
@@ -15054,20 +14503,6 @@
                 </a:rPr>
                 <a:t>界面设计</a:t>
               </a:r>
-              <a:endParaRPr kumimoji="0" lang="zh-CN" altLang="en-US" sz="3200" b="1" i="0" u="none" strike="noStrike" kern="0" cap="none" spc="0" normalizeH="0" baseline="0" noProof="0" dirty="0">
-                <a:ln>
-                  <a:noFill/>
-                </a:ln>
-                <a:solidFill>
-                  <a:prstClr val="white"/>
-                </a:solidFill>
-                <a:effectLst/>
-                <a:uLnTx/>
-                <a:uFillTx/>
-                <a:latin typeface="Verdana" panose="020B0604030504040204"/>
-                <a:ea typeface="微软雅黑" panose="020B0503020204020204" pitchFamily="34" charset="-122"/>
-                <a:cs typeface="+mn-cs"/>
-              </a:endParaRPr>
             </a:p>
           </p:txBody>
         </p:sp>
@@ -15314,13 +14749,6 @@
               </a:rPr>
               <a:t>  界面设计</a:t>
             </a:r>
-            <a:endParaRPr kumimoji="1" lang="zh-CN" altLang="en-US" sz="3200" b="1" dirty="0">
-              <a:solidFill>
-                <a:schemeClr val="tx2"/>
-              </a:solidFill>
-              <a:latin typeface="微软雅黑" panose="020B0503020204020204" pitchFamily="34" charset="-122"/>
-              <a:ea typeface="微软雅黑" panose="020B0503020204020204" pitchFamily="34" charset="-122"/>
-            </a:endParaRPr>
           </a:p>
         </p:txBody>
       </p:sp>
@@ -15333,7 +14761,7 @@
           <p:nvPr/>
         </p:nvPicPr>
         <p:blipFill>
-          <a:blip r:embed="rId1"/>
+          <a:blip r:embed="rId2"/>
           <a:stretch>
             <a:fillRect/>
           </a:stretch>
@@ -15390,16 +14818,6 @@
               </a:rPr>
               <a:t>对原有界面基础上进行修改增添</a:t>
             </a:r>
-            <a:endParaRPr lang="zh-CN" altLang="en-US" sz="2400" b="1">
-              <a:solidFill>
-                <a:schemeClr val="tx1"/>
-              </a:solidFill>
-              <a:effectLst/>
-              <a:latin typeface="微软雅黑" panose="020B0503020204020204" pitchFamily="34" charset="-122"/>
-              <a:ea typeface="微软雅黑" panose="020B0503020204020204" pitchFamily="34" charset="-122"/>
-              <a:cs typeface="华文楷体" panose="02010600040101010101" charset="-122"/>
-              <a:sym typeface="+mn-ea"/>
-            </a:endParaRPr>
           </a:p>
           <a:p>
             <a:pPr marL="457200" lvl="1" indent="0" fontAlgn="auto">
@@ -15435,16 +14853,6 @@
               </a:rPr>
               <a:t>对需求平台的布局进行初步的设计</a:t>
             </a:r>
-            <a:endParaRPr lang="zh-CN" altLang="en-US" sz="2400" b="1">
-              <a:solidFill>
-                <a:schemeClr val="tx1"/>
-              </a:solidFill>
-              <a:effectLst/>
-              <a:latin typeface="华文楷体" panose="02010600040101010101" charset="-122"/>
-              <a:ea typeface="华文楷体" panose="02010600040101010101" charset="-122"/>
-              <a:cs typeface="华文楷体" panose="02010600040101010101" charset="-122"/>
-              <a:sym typeface="+mn-ea"/>
-            </a:endParaRPr>
           </a:p>
           <a:p>
             <a:pPr marL="914400" lvl="2" indent="0" fontAlgn="auto">
@@ -15467,16 +14875,6 @@
               </a:rPr>
               <a:t>分别对专家端及企业端进行相应的布局设计，用方框图的形式表示。</a:t>
             </a:r>
-            <a:endParaRPr lang="zh-CN" altLang="en-US" sz="2400">
-              <a:solidFill>
-                <a:schemeClr val="tx1"/>
-              </a:solidFill>
-              <a:effectLst/>
-              <a:latin typeface="华文楷体" panose="02010600040101010101" charset="-122"/>
-              <a:ea typeface="华文楷体" panose="02010600040101010101" charset="-122"/>
-              <a:cs typeface="华文楷体" panose="02010600040101010101" charset="-122"/>
-              <a:sym typeface="+mn-ea"/>
-            </a:endParaRPr>
           </a:p>
           <a:p>
             <a:pPr marL="457200" lvl="1" indent="0" fontAlgn="auto">
@@ -15512,16 +14910,6 @@
               </a:rPr>
               <a:t>对订单查询界面的布局进行初步设计</a:t>
             </a:r>
-            <a:endParaRPr lang="zh-CN" altLang="en-US" sz="2400" b="1">
-              <a:solidFill>
-                <a:schemeClr val="tx1"/>
-              </a:solidFill>
-              <a:effectLst/>
-              <a:latin typeface="华文楷体" panose="02010600040101010101" charset="-122"/>
-              <a:ea typeface="华文楷体" panose="02010600040101010101" charset="-122"/>
-              <a:cs typeface="华文楷体" panose="02010600040101010101" charset="-122"/>
-              <a:sym typeface="+mn-ea"/>
-            </a:endParaRPr>
           </a:p>
           <a:p>
             <a:pPr marL="914400" lvl="2" indent="0" fontAlgn="auto">
@@ -15544,16 +14932,6 @@
               </a:rPr>
               <a:t>对企业端及专家端的订单查询界面进行布局设计，用方框图进行表示。</a:t>
             </a:r>
-            <a:endParaRPr lang="zh-CN" altLang="en-US" sz="2400">
-              <a:solidFill>
-                <a:schemeClr val="tx1"/>
-              </a:solidFill>
-              <a:effectLst/>
-              <a:latin typeface="华文楷体" panose="02010600040101010101" charset="-122"/>
-              <a:ea typeface="华文楷体" panose="02010600040101010101" charset="-122"/>
-              <a:cs typeface="华文楷体" panose="02010600040101010101" charset="-122"/>
-              <a:sym typeface="+mn-ea"/>
-            </a:endParaRPr>
           </a:p>
           <a:p>
             <a:pPr marL="457200" lvl="1" indent="0" fontAlgn="auto">
@@ -15589,16 +14967,6 @@
               </a:rPr>
               <a:t>对企业端及专家端的用户界面进行功能按钮的增加</a:t>
             </a:r>
-            <a:endParaRPr lang="zh-CN" altLang="en-US" sz="2400" b="1">
-              <a:solidFill>
-                <a:schemeClr val="tx1"/>
-              </a:solidFill>
-              <a:effectLst/>
-              <a:latin typeface="华文楷体" panose="02010600040101010101" charset="-122"/>
-              <a:ea typeface="华文楷体" panose="02010600040101010101" charset="-122"/>
-              <a:cs typeface="华文楷体" panose="02010600040101010101" charset="-122"/>
-              <a:sym typeface="+mn-ea"/>
-            </a:endParaRPr>
           </a:p>
           <a:p>
             <a:pPr marL="457200" lvl="1" indent="0" fontAlgn="auto">
@@ -15630,7 +14998,7 @@
           <p:nvPr/>
         </p:nvPicPr>
         <p:blipFill>
-          <a:blip r:embed="rId2"/>
+          <a:blip r:embed="rId3"/>
           <a:stretch>
             <a:fillRect/>
           </a:stretch>
@@ -15813,20 +15181,6 @@
                 </a:rPr>
                 <a:t>界面设计</a:t>
               </a:r>
-              <a:endParaRPr kumimoji="0" lang="zh-CN" altLang="en-US" sz="3200" b="1" i="0" u="none" strike="noStrike" kern="0" cap="none" spc="0" normalizeH="0" baseline="0" noProof="0" dirty="0">
-                <a:ln>
-                  <a:noFill/>
-                </a:ln>
-                <a:solidFill>
-                  <a:prstClr val="white"/>
-                </a:solidFill>
-                <a:effectLst/>
-                <a:uLnTx/>
-                <a:uFillTx/>
-                <a:latin typeface="Verdana" panose="020B0604030504040204"/>
-                <a:ea typeface="微软雅黑" panose="020B0503020204020204" pitchFamily="34" charset="-122"/>
-                <a:cs typeface="+mn-cs"/>
-              </a:endParaRPr>
             </a:p>
           </p:txBody>
         </p:sp>
@@ -16073,13 +15427,6 @@
               </a:rPr>
               <a:t>  界面设计</a:t>
             </a:r>
-            <a:endParaRPr kumimoji="1" lang="zh-CN" altLang="en-US" sz="3200" b="1" dirty="0">
-              <a:solidFill>
-                <a:schemeClr val="tx2"/>
-              </a:solidFill>
-              <a:latin typeface="微软雅黑" panose="020B0503020204020204" pitchFamily="34" charset="-122"/>
-              <a:ea typeface="微软雅黑" panose="020B0503020204020204" pitchFamily="34" charset="-122"/>
-            </a:endParaRPr>
           </a:p>
         </p:txBody>
       </p:sp>
@@ -16163,7 +15510,7 @@
           <p:nvPr/>
         </p:nvPicPr>
         <p:blipFill>
-          <a:blip r:embed="rId1"/>
+          <a:blip r:embed="rId2"/>
           <a:stretch>
             <a:fillRect/>
           </a:stretch>
@@ -16187,7 +15534,7 @@
           <p:nvPr/>
         </p:nvPicPr>
         <p:blipFill>
-          <a:blip r:embed="rId2"/>
+          <a:blip r:embed="rId3"/>
           <a:stretch>
             <a:fillRect/>
           </a:stretch>
@@ -16211,7 +15558,7 @@
           <p:nvPr/>
         </p:nvPicPr>
         <p:blipFill>
-          <a:blip r:embed="rId3"/>
+          <a:blip r:embed="rId4"/>
           <a:stretch>
             <a:fillRect/>
           </a:stretch>
@@ -16238,7 +15585,7 @@
 </file>
 
 <file path=ppt/tags/tag1.xml><?xml version="1.0" encoding="utf-8"?>
-<p:tagLst xmlns:p="http://schemas.openxmlformats.org/presentationml/2006/main">
+<p:tagLst xmlns:a="http://schemas.openxmlformats.org/drawingml/2006/main" xmlns:r="http://schemas.openxmlformats.org/officeDocument/2006/relationships" xmlns:p="http://schemas.openxmlformats.org/presentationml/2006/main">
   <p:tag name="KSO_WM_UNIT_PLACING_PICTURE_USER_VIEWPORT" val="{&quot;height&quot;:960,&quot;width&quot;:3900}"/>
 </p:tagLst>
 </file>
@@ -16494,6 +15841,8 @@
       </a:bgFillStyleLst>
     </a:fmtScheme>
   </a:themeElements>
+  <a:objectDefaults/>
+  <a:extraClrSchemeLst/>
   <a:extLst>
     <a:ext uri="{05A4C25C-085E-4340-85A3-A5531E510DB2}">
       <thm15:themeFamily xmlns:thm15="http://schemas.microsoft.com/office/thememl/2012/main" name="Office Theme" id="{62F939B6-93AF-4DB8-9C6B-D6C7DFDC589F}" vid="{4A3C46E8-61CC-4603-A589-7422A47A8E4A}"/>
